--- a/talks/Domingue-mx1.pptx
+++ b/talks/Domingue-mx1.pptx
@@ -5,57 +5,58 @@
     <p:sldMasterId id="2147483648" r:id="rId1"/>
   </p:sldMasterIdLst>
   <p:notesMasterIdLst>
-    <p:notesMasterId r:id="rId50"/>
+    <p:notesMasterId r:id="rId51"/>
   </p:notesMasterIdLst>
   <p:sldIdLst>
     <p:sldId id="270" r:id="rId2"/>
     <p:sldId id="271" r:id="rId3"/>
-    <p:sldId id="272" r:id="rId4"/>
-    <p:sldId id="273" r:id="rId5"/>
-    <p:sldId id="299" r:id="rId6"/>
-    <p:sldId id="274" r:id="rId7"/>
-    <p:sldId id="275" r:id="rId8"/>
-    <p:sldId id="276" r:id="rId9"/>
-    <p:sldId id="277" r:id="rId10"/>
-    <p:sldId id="278" r:id="rId11"/>
-    <p:sldId id="279" r:id="rId12"/>
-    <p:sldId id="280" r:id="rId13"/>
-    <p:sldId id="281" r:id="rId14"/>
-    <p:sldId id="282" r:id="rId15"/>
-    <p:sldId id="283" r:id="rId16"/>
-    <p:sldId id="284" r:id="rId17"/>
-    <p:sldId id="285" r:id="rId18"/>
-    <p:sldId id="286" r:id="rId19"/>
-    <p:sldId id="287" r:id="rId20"/>
-    <p:sldId id="288" r:id="rId21"/>
-    <p:sldId id="289" r:id="rId22"/>
-    <p:sldId id="290" r:id="rId23"/>
-    <p:sldId id="291" r:id="rId24"/>
-    <p:sldId id="292" r:id="rId25"/>
-    <p:sldId id="300" r:id="rId26"/>
-    <p:sldId id="293" r:id="rId27"/>
-    <p:sldId id="294" r:id="rId28"/>
-    <p:sldId id="295" r:id="rId29"/>
-    <p:sldId id="306" r:id="rId30"/>
-    <p:sldId id="302" r:id="rId31"/>
-    <p:sldId id="307" r:id="rId32"/>
-    <p:sldId id="303" r:id="rId33"/>
-    <p:sldId id="304" r:id="rId34"/>
-    <p:sldId id="305" r:id="rId35"/>
-    <p:sldId id="308" r:id="rId36"/>
-    <p:sldId id="316" r:id="rId37"/>
-    <p:sldId id="296" r:id="rId38"/>
-    <p:sldId id="309" r:id="rId39"/>
-    <p:sldId id="311" r:id="rId40"/>
-    <p:sldId id="310" r:id="rId41"/>
-    <p:sldId id="312" r:id="rId42"/>
-    <p:sldId id="315" r:id="rId43"/>
-    <p:sldId id="314" r:id="rId44"/>
-    <p:sldId id="313" r:id="rId45"/>
-    <p:sldId id="297" r:id="rId46"/>
-    <p:sldId id="317" r:id="rId47"/>
-    <p:sldId id="298" r:id="rId48"/>
-    <p:sldId id="318" r:id="rId49"/>
+    <p:sldId id="319" r:id="rId4"/>
+    <p:sldId id="272" r:id="rId5"/>
+    <p:sldId id="273" r:id="rId6"/>
+    <p:sldId id="299" r:id="rId7"/>
+    <p:sldId id="274" r:id="rId8"/>
+    <p:sldId id="275" r:id="rId9"/>
+    <p:sldId id="276" r:id="rId10"/>
+    <p:sldId id="277" r:id="rId11"/>
+    <p:sldId id="278" r:id="rId12"/>
+    <p:sldId id="279" r:id="rId13"/>
+    <p:sldId id="280" r:id="rId14"/>
+    <p:sldId id="281" r:id="rId15"/>
+    <p:sldId id="282" r:id="rId16"/>
+    <p:sldId id="283" r:id="rId17"/>
+    <p:sldId id="284" r:id="rId18"/>
+    <p:sldId id="285" r:id="rId19"/>
+    <p:sldId id="286" r:id="rId20"/>
+    <p:sldId id="287" r:id="rId21"/>
+    <p:sldId id="288" r:id="rId22"/>
+    <p:sldId id="289" r:id="rId23"/>
+    <p:sldId id="290" r:id="rId24"/>
+    <p:sldId id="291" r:id="rId25"/>
+    <p:sldId id="292" r:id="rId26"/>
+    <p:sldId id="300" r:id="rId27"/>
+    <p:sldId id="293" r:id="rId28"/>
+    <p:sldId id="294" r:id="rId29"/>
+    <p:sldId id="295" r:id="rId30"/>
+    <p:sldId id="306" r:id="rId31"/>
+    <p:sldId id="302" r:id="rId32"/>
+    <p:sldId id="307" r:id="rId33"/>
+    <p:sldId id="303" r:id="rId34"/>
+    <p:sldId id="304" r:id="rId35"/>
+    <p:sldId id="305" r:id="rId36"/>
+    <p:sldId id="308" r:id="rId37"/>
+    <p:sldId id="316" r:id="rId38"/>
+    <p:sldId id="296" r:id="rId39"/>
+    <p:sldId id="309" r:id="rId40"/>
+    <p:sldId id="311" r:id="rId41"/>
+    <p:sldId id="310" r:id="rId42"/>
+    <p:sldId id="312" r:id="rId43"/>
+    <p:sldId id="315" r:id="rId44"/>
+    <p:sldId id="314" r:id="rId45"/>
+    <p:sldId id="313" r:id="rId46"/>
+    <p:sldId id="297" r:id="rId47"/>
+    <p:sldId id="317" r:id="rId48"/>
+    <p:sldId id="298" r:id="rId49"/>
+    <p:sldId id="318" r:id="rId50"/>
   </p:sldIdLst>
   <p:sldSz cx="9144000" cy="6858000" type="screen4x3"/>
   <p:notesSz cx="6858000" cy="9144000"/>
@@ -4248,7 +4249,7 @@
       </p:grpSpPr>
       <p:pic>
         <p:nvPicPr>
-          <p:cNvPr id="3074" name="Picture 2"/>
+          <p:cNvPr id="2050" name="Picture 2"/>
           <p:cNvPicPr>
             <a:picLocks noChangeAspect="1" noChangeArrowheads="1"/>
           </p:cNvPicPr>
@@ -4263,8 +4264,8 @@
         </p:blipFill>
         <p:spPr bwMode="auto">
           <a:xfrm>
-            <a:off x="881063" y="876300"/>
-            <a:ext cx="7381875" cy="5105400"/>
+            <a:off x="781050" y="895350"/>
+            <a:ext cx="7581900" cy="5067300"/>
           </a:xfrm>
           <a:prstGeom prst="rect">
             <a:avLst/>
@@ -4313,6 +4314,71 @@
       </p:grpSpPr>
       <p:pic>
         <p:nvPicPr>
+          <p:cNvPr id="3074" name="Picture 2"/>
+          <p:cNvPicPr>
+            <a:picLocks noChangeAspect="1" noChangeArrowheads="1"/>
+          </p:cNvPicPr>
+          <p:nvPr/>
+        </p:nvPicPr>
+        <p:blipFill>
+          <a:blip r:embed="rId2" cstate="print"/>
+          <a:srcRect/>
+          <a:stretch>
+            <a:fillRect/>
+          </a:stretch>
+        </p:blipFill>
+        <p:spPr bwMode="auto">
+          <a:xfrm>
+            <a:off x="881063" y="876300"/>
+            <a:ext cx="7381875" cy="5105400"/>
+          </a:xfrm>
+          <a:prstGeom prst="rect">
+            <a:avLst/>
+          </a:prstGeom>
+          <a:noFill/>
+          <a:ln w="9525">
+            <a:noFill/>
+            <a:miter lim="800000"/>
+            <a:headEnd/>
+            <a:tailEnd/>
+          </a:ln>
+        </p:spPr>
+      </p:pic>
+    </p:spTree>
+  </p:cSld>
+  <p:clrMapOvr>
+    <a:masterClrMapping/>
+  </p:clrMapOvr>
+  <p:transition/>
+  <p:timing>
+    <p:tnLst>
+      <p:par>
+        <p:cTn id="1" dur="indefinite" restart="never" nodeType="tmRoot"/>
+      </p:par>
+    </p:tnLst>
+  </p:timing>
+</p:sld>
+</file>
+
+<file path=ppt/slides/slide12.xml><?xml version="1.0" encoding="utf-8"?>
+<p:sld xmlns:a="http://schemas.openxmlformats.org/drawingml/2006/main" xmlns:r="http://schemas.openxmlformats.org/officeDocument/2006/relationships" xmlns:p="http://schemas.openxmlformats.org/presentationml/2006/main">
+  <p:cSld>
+    <p:spTree>
+      <p:nvGrpSpPr>
+        <p:cNvPr id="1" name=""/>
+        <p:cNvGrpSpPr/>
+        <p:nvPr/>
+      </p:nvGrpSpPr>
+      <p:grpSpPr>
+        <a:xfrm>
+          <a:off x="0" y="0"/>
+          <a:ext cx="0" cy="0"/>
+          <a:chOff x="0" y="0"/>
+          <a:chExt cx="0" cy="0"/>
+        </a:xfrm>
+      </p:grpSpPr>
+      <p:pic>
+        <p:nvPicPr>
           <p:cNvPr id="4098" name="Picture 2"/>
           <p:cNvPicPr>
             <a:picLocks noChangeAspect="1" noChangeArrowheads="1"/>
@@ -4389,7 +4455,7 @@
 </p:sld>
 </file>
 
-<file path=ppt/slides/slide12.xml><?xml version="1.0" encoding="utf-8"?>
+<file path=ppt/slides/slide13.xml><?xml version="1.0" encoding="utf-8"?>
 <p:sld xmlns:a="http://schemas.openxmlformats.org/drawingml/2006/main" xmlns:r="http://schemas.openxmlformats.org/officeDocument/2006/relationships" xmlns:p="http://schemas.openxmlformats.org/presentationml/2006/main">
   <p:cSld>
     <p:spTree>
@@ -4454,125 +4520,6 @@
 </p:sld>
 </file>
 
-<file path=ppt/slides/slide13.xml><?xml version="1.0" encoding="utf-8"?>
-<p:sld xmlns:a="http://schemas.openxmlformats.org/drawingml/2006/main" xmlns:r="http://schemas.openxmlformats.org/officeDocument/2006/relationships" xmlns:p="http://schemas.openxmlformats.org/presentationml/2006/main">
-  <p:cSld>
-    <p:spTree>
-      <p:nvGrpSpPr>
-        <p:cNvPr id="1" name=""/>
-        <p:cNvGrpSpPr/>
-        <p:nvPr/>
-      </p:nvGrpSpPr>
-      <p:grpSpPr>
-        <a:xfrm>
-          <a:off x="0" y="0"/>
-          <a:ext cx="0" cy="0"/>
-          <a:chOff x="0" y="0"/>
-          <a:chExt cx="0" cy="0"/>
-        </a:xfrm>
-      </p:grpSpPr>
-      <p:sp>
-        <p:nvSpPr>
-          <p:cNvPr id="2" name="Title 1"/>
-          <p:cNvSpPr>
-            <a:spLocks noGrp="1"/>
-          </p:cNvSpPr>
-          <p:nvPr>
-            <p:ph type="title"/>
-          </p:nvPr>
-        </p:nvSpPr>
-        <p:spPr/>
-        <p:txBody>
-          <a:bodyPr/>
-          <a:lstStyle/>
-          <a:p>
-            <a:r>
-              <a:rPr lang="en-US" dirty="0" err="1" smtClean="0"/>
-              <a:t>Turkheimer’s</a:t>
-            </a:r>
-            <a:r>
-              <a:rPr lang="en-US" dirty="0" smtClean="0"/>
-              <a:t> Law of BG</a:t>
-            </a:r>
-            <a:endParaRPr lang="en-US" dirty="0"/>
-          </a:p>
-        </p:txBody>
-      </p:sp>
-      <p:sp>
-        <p:nvSpPr>
-          <p:cNvPr id="3" name="Content Placeholder 2"/>
-          <p:cNvSpPr>
-            <a:spLocks noGrp="1"/>
-          </p:cNvSpPr>
-          <p:nvPr>
-            <p:ph idx="1"/>
-          </p:nvPr>
-        </p:nvSpPr>
-        <p:spPr/>
-        <p:txBody>
-          <a:bodyPr>
-            <a:normAutofit fontScale="92500" lnSpcReduction="20000"/>
-          </a:bodyPr>
-          <a:lstStyle/>
-          <a:p>
-            <a:r>
-              <a:rPr lang="en-US" dirty="0" smtClean="0"/>
-              <a:t>First Law: All human </a:t>
-            </a:r>
-            <a:r>
-              <a:rPr lang="en-US" dirty="0" err="1" smtClean="0"/>
-              <a:t>behavioural</a:t>
-            </a:r>
-            <a:r>
-              <a:rPr lang="en-US" dirty="0" smtClean="0"/>
-              <a:t> traits are heritable.</a:t>
-            </a:r>
-          </a:p>
-          <a:p>
-            <a:endParaRPr lang="en-US" dirty="0" smtClean="0"/>
-          </a:p>
-          <a:p>
-            <a:r>
-              <a:rPr lang="en-US" dirty="0" smtClean="0"/>
-              <a:t>Second Law: The effect of being raised in the same family is smaller than the effect of the genes.</a:t>
-            </a:r>
-          </a:p>
-          <a:p>
-            <a:endParaRPr lang="en-US" dirty="0" smtClean="0"/>
-          </a:p>
-          <a:p>
-            <a:r>
-              <a:rPr lang="en-US" dirty="0" smtClean="0"/>
-              <a:t>Third Law: A substantial portion of the variation in complex human </a:t>
-            </a:r>
-            <a:r>
-              <a:rPr lang="en-US" dirty="0" err="1" smtClean="0"/>
-              <a:t>behavioural</a:t>
-            </a:r>
-            <a:r>
-              <a:rPr lang="en-US" dirty="0" smtClean="0"/>
-              <a:t> traits is not accounted for by the effects of genes or families.</a:t>
-            </a:r>
-            <a:endParaRPr lang="en-US" dirty="0"/>
-          </a:p>
-        </p:txBody>
-      </p:sp>
-    </p:spTree>
-  </p:cSld>
-  <p:clrMapOvr>
-    <a:masterClrMapping/>
-  </p:clrMapOvr>
-  <p:transition/>
-  <p:timing>
-    <p:tnLst>
-      <p:par>
-        <p:cTn id="1" dur="indefinite" restart="never" nodeType="tmRoot"/>
-      </p:par>
-    </p:tnLst>
-  </p:timing>
-</p:sld>
-</file>
-
 <file path=ppt/slides/slide14.xml><?xml version="1.0" encoding="utf-8"?>
 <p:sld xmlns:a="http://schemas.openxmlformats.org/drawingml/2006/main" xmlns:r="http://schemas.openxmlformats.org/officeDocument/2006/relationships" xmlns:p="http://schemas.openxmlformats.org/presentationml/2006/main">
   <p:cSld>
@@ -4606,8 +4553,12 @@
           <a:lstStyle/>
           <a:p>
             <a:r>
-              <a:rPr lang="en-US" dirty="0" smtClean="0"/>
-              <a:t>Moving past pedigree studies</a:t>
+              <a:rPr lang="en-US" dirty="0" err="1" smtClean="0"/>
+              <a:t>Turkheimer’s</a:t>
+            </a:r>
+            <a:r>
+              <a:rPr lang="en-US" dirty="0" smtClean="0"/>
+              <a:t> Law of BG</a:t>
             </a:r>
             <a:endParaRPr lang="en-US" dirty="0"/>
           </a:p>
@@ -4626,42 +4577,47 @@
         <p:spPr/>
         <p:txBody>
           <a:bodyPr>
-            <a:normAutofit/>
+            <a:normAutofit fontScale="92500" lnSpcReduction="20000"/>
           </a:bodyPr>
           <a:lstStyle/>
           <a:p>
             <a:r>
               <a:rPr lang="en-US" dirty="0" smtClean="0"/>
-              <a:t>Human Genome Project completed in 2003. </a:t>
-            </a:r>
-            <a:r>
-              <a:rPr lang="en-US" dirty="0" smtClean="0"/>
-              <a:t>Three </a:t>
-            </a:r>
-            <a:r>
-              <a:rPr lang="en-US" dirty="0" smtClean="0"/>
-              <a:t>big aims:</a:t>
-            </a:r>
-          </a:p>
-          <a:p>
-            <a:pPr lvl="1"/>
-            <a:r>
-              <a:rPr lang="en-US" dirty="0" smtClean="0"/>
-              <a:t>determining the order, or ”sequence,” of all the bases in our genome’s DNA</a:t>
-            </a:r>
-          </a:p>
-          <a:p>
-            <a:pPr lvl="1"/>
-            <a:r>
-              <a:rPr lang="en-US" dirty="0" smtClean="0"/>
-              <a:t>making maps that show the locations of genes for major sections of all our chromosomes</a:t>
-            </a:r>
-          </a:p>
-          <a:p>
-            <a:pPr lvl="1"/>
-            <a:r>
-              <a:rPr lang="en-US" dirty="0" smtClean="0"/>
-              <a:t>producing what are called linkage maps</a:t>
+              <a:t>First Law: All human </a:t>
+            </a:r>
+            <a:r>
+              <a:rPr lang="en-US" dirty="0" err="1" smtClean="0"/>
+              <a:t>behavioural</a:t>
+            </a:r>
+            <a:r>
+              <a:rPr lang="en-US" dirty="0" smtClean="0"/>
+              <a:t> traits are heritable.</a:t>
+            </a:r>
+          </a:p>
+          <a:p>
+            <a:endParaRPr lang="en-US" dirty="0" smtClean="0"/>
+          </a:p>
+          <a:p>
+            <a:r>
+              <a:rPr lang="en-US" dirty="0" smtClean="0"/>
+              <a:t>Second Law: The effect of being raised in the same family is smaller than the effect of the genes.</a:t>
+            </a:r>
+          </a:p>
+          <a:p>
+            <a:endParaRPr lang="en-US" dirty="0" smtClean="0"/>
+          </a:p>
+          <a:p>
+            <a:r>
+              <a:rPr lang="en-US" dirty="0" smtClean="0"/>
+              <a:t>Third Law: A substantial portion of the variation in complex human </a:t>
+            </a:r>
+            <a:r>
+              <a:rPr lang="en-US" dirty="0" err="1" smtClean="0"/>
+              <a:t>behavioural</a:t>
+            </a:r>
+            <a:r>
+              <a:rPr lang="en-US" dirty="0" smtClean="0"/>
+              <a:t> traits is not accounted for by the effects of genes or families.</a:t>
             </a:r>
             <a:endParaRPr lang="en-US" dirty="0"/>
           </a:p>
@@ -4717,7 +4673,7 @@
           <a:p>
             <a:r>
               <a:rPr lang="en-US" dirty="0" smtClean="0"/>
-              <a:t>Why the central role for DNA?</a:t>
+              <a:t>Moving past pedigree studies</a:t>
             </a:r>
             <a:endParaRPr lang="en-US" dirty="0"/>
           </a:p>
@@ -4735,35 +4691,35 @@
         </p:nvSpPr>
         <p:spPr/>
         <p:txBody>
-          <a:bodyPr/>
-          <a:lstStyle/>
-          <a:p>
-            <a:r>
-              <a:rPr lang="en-US" dirty="0" smtClean="0"/>
-              <a:t>Central Dogma of Molecular Biology</a:t>
+          <a:bodyPr>
+            <a:normAutofit/>
+          </a:bodyPr>
+          <a:lstStyle/>
+          <a:p>
+            <a:r>
+              <a:rPr lang="en-US" dirty="0" smtClean="0"/>
+              <a:t>Human Genome Project completed in 2003. Three big aims:</a:t>
             </a:r>
           </a:p>
           <a:p>
             <a:pPr lvl="1"/>
             <a:r>
               <a:rPr lang="en-US" dirty="0" smtClean="0"/>
-              <a:t>“DNA makes RNA and RNA makes protein”</a:t>
-            </a:r>
-          </a:p>
-          <a:p>
-            <a:endParaRPr lang="en-US" dirty="0" smtClean="0"/>
-          </a:p>
-          <a:p>
-            <a:r>
-              <a:rPr lang="en-US" dirty="0" smtClean="0"/>
-              <a:t>For social science:</a:t>
+              <a:t>determining the order, or ”sequence,” of all the bases in our genome’s DNA</a:t>
             </a:r>
           </a:p>
           <a:p>
             <a:pPr lvl="1"/>
             <a:r>
               <a:rPr lang="en-US" dirty="0" smtClean="0"/>
-              <a:t>Fixed at conception</a:t>
+              <a:t>making maps that show the locations of genes for major sections of all our chromosomes</a:t>
+            </a:r>
+          </a:p>
+          <a:p>
+            <a:pPr lvl="1"/>
+            <a:r>
+              <a:rPr lang="en-US" dirty="0" smtClean="0"/>
+              <a:t>producing what are called linkage maps</a:t>
             </a:r>
             <a:endParaRPr lang="en-US" dirty="0"/>
           </a:p>
@@ -4819,74 +4775,55 @@
           <a:p>
             <a:r>
               <a:rPr lang="en-US" dirty="0" smtClean="0"/>
-              <a:t>DNA</a:t>
+              <a:t>Why the central role for DNA?</a:t>
             </a:r>
             <a:endParaRPr lang="en-US" dirty="0"/>
           </a:p>
         </p:txBody>
       </p:sp>
-      <p:pic>
-        <p:nvPicPr>
-          <p:cNvPr id="4" name="Picture 3" descr="dnastructure.jpg"/>
-          <p:cNvPicPr>
-            <a:picLocks noChangeAspect="1"/>
-          </p:cNvPicPr>
-          <p:nvPr/>
-        </p:nvPicPr>
-        <p:blipFill>
-          <a:blip r:embed="rId2" cstate="print"/>
-          <a:stretch>
-            <a:fillRect/>
-          </a:stretch>
-        </p:blipFill>
-        <p:spPr>
-          <a:xfrm>
-            <a:off x="1295400" y="1752600"/>
-            <a:ext cx="4724400" cy="4724400"/>
-          </a:xfrm>
-          <a:prstGeom prst="rect">
-            <a:avLst/>
-          </a:prstGeom>
-        </p:spPr>
-      </p:pic>
-      <p:sp>
-        <p:nvSpPr>
-          <p:cNvPr id="5" name="TextBox 4"/>
-          <p:cNvSpPr txBox="1"/>
-          <p:nvPr/>
-        </p:nvSpPr>
-        <p:spPr>
-          <a:xfrm>
-            <a:off x="5791200" y="1676400"/>
-            <a:ext cx="2514600" cy="4031873"/>
-          </a:xfrm>
-          <a:prstGeom prst="rect">
-            <a:avLst/>
-          </a:prstGeom>
-          <a:noFill/>
-        </p:spPr>
-        <p:txBody>
-          <a:bodyPr wrap="square" rtlCol="0">
-            <a:spAutoFit/>
-          </a:bodyPr>
-          <a:lstStyle/>
-          <a:p>
-            <a:r>
-              <a:rPr lang="en-US" sz="3200" dirty="0" smtClean="0"/>
-              <a:t>3 billion base pairs in total.</a:t>
-            </a:r>
-          </a:p>
-          <a:p>
-            <a:endParaRPr lang="en-US" sz="3200" dirty="0" smtClean="0"/>
-          </a:p>
-          <a:p>
-            <a:r>
-              <a:rPr lang="en-US" sz="3200" dirty="0" smtClean="0"/>
-              <a:t>We are all identical at vast majority of them. </a:t>
-            </a:r>
-          </a:p>
-          <a:p>
-            <a:endParaRPr lang="en-US" sz="3200" dirty="0"/>
+      <p:sp>
+        <p:nvSpPr>
+          <p:cNvPr id="3" name="Content Placeholder 2"/>
+          <p:cNvSpPr>
+            <a:spLocks noGrp="1"/>
+          </p:cNvSpPr>
+          <p:nvPr>
+            <p:ph idx="1"/>
+          </p:nvPr>
+        </p:nvSpPr>
+        <p:spPr/>
+        <p:txBody>
+          <a:bodyPr/>
+          <a:lstStyle/>
+          <a:p>
+            <a:r>
+              <a:rPr lang="en-US" dirty="0" smtClean="0"/>
+              <a:t>Central Dogma of Molecular Biology</a:t>
+            </a:r>
+          </a:p>
+          <a:p>
+            <a:pPr lvl="1"/>
+            <a:r>
+              <a:rPr lang="en-US" dirty="0" smtClean="0"/>
+              <a:t>“DNA makes RNA and RNA makes protein”</a:t>
+            </a:r>
+          </a:p>
+          <a:p>
+            <a:endParaRPr lang="en-US" dirty="0" smtClean="0"/>
+          </a:p>
+          <a:p>
+            <a:r>
+              <a:rPr lang="en-US" dirty="0" smtClean="0"/>
+              <a:t>For social science:</a:t>
+            </a:r>
+          </a:p>
+          <a:p>
+            <a:pPr lvl="1"/>
+            <a:r>
+              <a:rPr lang="en-US" dirty="0" smtClean="0"/>
+              <a:t>Fixed at conception</a:t>
+            </a:r>
+            <a:endParaRPr lang="en-US" dirty="0"/>
           </a:p>
         </p:txBody>
       </p:sp>
@@ -4935,48 +4872,12 @@
         </p:nvSpPr>
         <p:spPr/>
         <p:txBody>
-          <a:bodyPr>
-            <a:normAutofit fontScale="90000"/>
-          </a:bodyPr>
-          <a:lstStyle/>
-          <a:p>
-            <a:r>
-              <a:rPr lang="en-US" dirty="0" smtClean="0"/>
-              <a:t>Single Nucleotide Polymorphisms (SNPs)</a:t>
-            </a:r>
-            <a:endParaRPr lang="en-US" dirty="0"/>
-          </a:p>
-        </p:txBody>
-      </p:sp>
-      <p:sp>
-        <p:nvSpPr>
-          <p:cNvPr id="3" name="Content Placeholder 2"/>
-          <p:cNvSpPr>
-            <a:spLocks noGrp="1"/>
-          </p:cNvSpPr>
-          <p:nvPr>
-            <p:ph idx="1"/>
-          </p:nvPr>
-        </p:nvSpPr>
-        <p:spPr>
-          <a:xfrm>
-            <a:off x="3733800" y="1600200"/>
-            <a:ext cx="4953000" cy="4572000"/>
-          </a:xfrm>
-        </p:spPr>
-        <p:txBody>
           <a:bodyPr/>
           <a:lstStyle/>
           <a:p>
             <a:r>
               <a:rPr lang="en-US" dirty="0" smtClean="0"/>
-              <a:t>SNPs occur ~1/300 base pairs</a:t>
-            </a:r>
-          </a:p>
-          <a:p>
-            <a:r>
-              <a:rPr lang="en-US" dirty="0" smtClean="0"/>
-              <a:t>In &gt;1% of the population.</a:t>
+              <a:t>DNA</a:t>
             </a:r>
             <a:endParaRPr lang="en-US" dirty="0"/>
           </a:p>
@@ -4984,7 +4885,7 @@
       </p:sp>
       <p:pic>
         <p:nvPicPr>
-          <p:cNvPr id="4" name="Picture 3"/>
+          <p:cNvPr id="4" name="Picture 3" descr="dnastructure.jpg"/>
           <p:cNvPicPr>
             <a:picLocks noChangeAspect="1"/>
           </p:cNvPicPr>
@@ -4998,14 +4899,55 @@
         </p:blipFill>
         <p:spPr>
           <a:xfrm>
-            <a:off x="152400" y="1524000"/>
-            <a:ext cx="3200400" cy="4000500"/>
+            <a:off x="1295400" y="1752600"/>
+            <a:ext cx="4724400" cy="4724400"/>
           </a:xfrm>
           <a:prstGeom prst="rect">
             <a:avLst/>
           </a:prstGeom>
         </p:spPr>
       </p:pic>
+      <p:sp>
+        <p:nvSpPr>
+          <p:cNvPr id="5" name="TextBox 4"/>
+          <p:cNvSpPr txBox="1"/>
+          <p:nvPr/>
+        </p:nvSpPr>
+        <p:spPr>
+          <a:xfrm>
+            <a:off x="5791200" y="1676400"/>
+            <a:ext cx="2514600" cy="4031873"/>
+          </a:xfrm>
+          <a:prstGeom prst="rect">
+            <a:avLst/>
+          </a:prstGeom>
+          <a:noFill/>
+        </p:spPr>
+        <p:txBody>
+          <a:bodyPr wrap="square" rtlCol="0">
+            <a:spAutoFit/>
+          </a:bodyPr>
+          <a:lstStyle/>
+          <a:p>
+            <a:r>
+              <a:rPr lang="en-US" sz="3200" dirty="0" smtClean="0"/>
+              <a:t>3 billion base pairs in total.</a:t>
+            </a:r>
+          </a:p>
+          <a:p>
+            <a:endParaRPr lang="en-US" sz="3200" dirty="0" smtClean="0"/>
+          </a:p>
+          <a:p>
+            <a:r>
+              <a:rPr lang="en-US" sz="3200" dirty="0" smtClean="0"/>
+              <a:t>We are all identical at vast majority of them. </a:t>
+            </a:r>
+          </a:p>
+          <a:p>
+            <a:endParaRPr lang="en-US" sz="3200" dirty="0"/>
+          </a:p>
+        </p:txBody>
+      </p:sp>
     </p:spTree>
   </p:cSld>
   <p:clrMapOvr>
@@ -5081,44 +5023,19 @@
           </a:xfrm>
         </p:spPr>
         <p:txBody>
-          <a:bodyPr>
-            <a:normAutofit fontScale="92500" lnSpcReduction="10000"/>
-          </a:bodyPr>
-          <a:lstStyle/>
-          <a:p>
-            <a:r>
-              <a:rPr lang="en-US" dirty="0" smtClean="0"/>
-              <a:t>Two flavors of a SNP are “alleles”.</a:t>
-            </a:r>
-          </a:p>
-          <a:p>
-            <a:pPr lvl="1"/>
-            <a:r>
-              <a:rPr lang="en-US" dirty="0" smtClean="0"/>
-              <a:t>Major and minor alleles. Reference </a:t>
-            </a:r>
-            <a:r>
-              <a:rPr lang="en-US" dirty="0" err="1" smtClean="0"/>
-              <a:t>Allelle</a:t>
-            </a:r>
-            <a:r>
-              <a:rPr lang="en-US" dirty="0" smtClean="0"/>
-              <a:t>.</a:t>
-            </a:r>
-          </a:p>
-          <a:p>
-            <a:r>
-              <a:rPr lang="en-US" dirty="0" smtClean="0"/>
-              <a:t>We inherit two pieces of genetic information, one from mom and one from dad.</a:t>
-            </a:r>
-          </a:p>
-          <a:p>
-            <a:r>
-              <a:rPr lang="en-US" dirty="0" smtClean="0"/>
-              <a:t>Focus is on number (0,1,2) of reference alleles at a SNP.</a:t>
-            </a:r>
-          </a:p>
-          <a:p>
+          <a:bodyPr/>
+          <a:lstStyle/>
+          <a:p>
+            <a:r>
+              <a:rPr lang="en-US" dirty="0" smtClean="0"/>
+              <a:t>SNPs occur ~1/300 base pairs</a:t>
+            </a:r>
+          </a:p>
+          <a:p>
+            <a:r>
+              <a:rPr lang="en-US" dirty="0" smtClean="0"/>
+              <a:t>In &gt;1% of the population.</a:t>
+            </a:r>
             <a:endParaRPr lang="en-US" dirty="0"/>
           </a:p>
         </p:txBody>
@@ -5192,47 +5109,100 @@
         </p:nvSpPr>
         <p:spPr/>
         <p:txBody>
-          <a:bodyPr/>
-          <a:lstStyle/>
-          <a:p>
-            <a:r>
-              <a:rPr lang="en-US" dirty="0" smtClean="0"/>
-              <a:t>Chromosomes: Packages of DNA</a:t>
-            </a:r>
+          <a:bodyPr>
+            <a:normAutofit fontScale="90000"/>
+          </a:bodyPr>
+          <a:lstStyle/>
+          <a:p>
+            <a:r>
+              <a:rPr lang="en-US" dirty="0" smtClean="0"/>
+              <a:t>Single Nucleotide Polymorphisms (SNPs)</a:t>
+            </a:r>
+            <a:endParaRPr lang="en-US" dirty="0"/>
+          </a:p>
+        </p:txBody>
+      </p:sp>
+      <p:sp>
+        <p:nvSpPr>
+          <p:cNvPr id="3" name="Content Placeholder 2"/>
+          <p:cNvSpPr>
+            <a:spLocks noGrp="1"/>
+          </p:cNvSpPr>
+          <p:nvPr>
+            <p:ph idx="1"/>
+          </p:nvPr>
+        </p:nvSpPr>
+        <p:spPr>
+          <a:xfrm>
+            <a:off x="3733800" y="1600200"/>
+            <a:ext cx="4953000" cy="4572000"/>
+          </a:xfrm>
+        </p:spPr>
+        <p:txBody>
+          <a:bodyPr>
+            <a:normAutofit fontScale="92500" lnSpcReduction="10000"/>
+          </a:bodyPr>
+          <a:lstStyle/>
+          <a:p>
+            <a:r>
+              <a:rPr lang="en-US" dirty="0" smtClean="0"/>
+              <a:t>Two flavors of a SNP are “alleles”.</a:t>
+            </a:r>
+          </a:p>
+          <a:p>
+            <a:pPr lvl="1"/>
+            <a:r>
+              <a:rPr lang="en-US" dirty="0" smtClean="0"/>
+              <a:t>Major and minor alleles. Reference </a:t>
+            </a:r>
+            <a:r>
+              <a:rPr lang="en-US" dirty="0" err="1" smtClean="0"/>
+              <a:t>Allelle</a:t>
+            </a:r>
+            <a:r>
+              <a:rPr lang="en-US" dirty="0" smtClean="0"/>
+              <a:t>.</a:t>
+            </a:r>
+          </a:p>
+          <a:p>
+            <a:r>
+              <a:rPr lang="en-US" dirty="0" smtClean="0"/>
+              <a:t>We inherit two pieces of genetic information, one from mom and one from dad.</a:t>
+            </a:r>
+          </a:p>
+          <a:p>
+            <a:r>
+              <a:rPr lang="en-US" dirty="0" smtClean="0"/>
+              <a:t>Focus is on number (0,1,2) of reference alleles at a SNP.</a:t>
+            </a:r>
+          </a:p>
+          <a:p>
             <a:endParaRPr lang="en-US" dirty="0"/>
           </a:p>
         </p:txBody>
       </p:sp>
       <p:pic>
         <p:nvPicPr>
-          <p:cNvPr id="6146" name="Picture 2"/>
+          <p:cNvPr id="4" name="Picture 3"/>
           <p:cNvPicPr>
-            <a:picLocks noChangeAspect="1" noChangeArrowheads="1"/>
+            <a:picLocks noChangeAspect="1"/>
           </p:cNvPicPr>
           <p:nvPr/>
         </p:nvPicPr>
         <p:blipFill>
           <a:blip r:embed="rId2" cstate="print"/>
-          <a:srcRect/>
           <a:stretch>
             <a:fillRect/>
           </a:stretch>
         </p:blipFill>
-        <p:spPr bwMode="auto">
+        <p:spPr>
           <a:xfrm>
-            <a:off x="457200" y="1219200"/>
-            <a:ext cx="7435810" cy="5381625"/>
+            <a:off x="152400" y="1524000"/>
+            <a:ext cx="3200400" cy="4000500"/>
           </a:xfrm>
           <a:prstGeom prst="rect">
             <a:avLst/>
           </a:prstGeom>
-          <a:noFill/>
-          <a:ln w="9525">
-            <a:noFill/>
-            <a:miter lim="800000"/>
-            <a:headEnd/>
-            <a:tailEnd/>
-          </a:ln>
         </p:spPr>
       </p:pic>
     </p:spTree>
@@ -5320,11 +5290,7 @@
           <a:p>
             <a:r>
               <a:rPr lang="en-US" dirty="0" smtClean="0"/>
-              <a:t>Feel free to interrupt, tell me to slow down, etc etc</a:t>
-            </a:r>
-            <a:r>
-              <a:rPr lang="en-US" dirty="0" smtClean="0"/>
-              <a:t>.</a:t>
+              <a:t>Feel free to interrupt, tell me to slow down, etc etc.</a:t>
             </a:r>
           </a:p>
           <a:p>
@@ -5461,6 +5427,94 @@
         </p:nvSpPr>
         <p:spPr/>
         <p:txBody>
+          <a:bodyPr/>
+          <a:lstStyle/>
+          <a:p>
+            <a:r>
+              <a:rPr lang="en-US" dirty="0" smtClean="0"/>
+              <a:t>Chromosomes: Packages of DNA</a:t>
+            </a:r>
+            <a:endParaRPr lang="en-US" dirty="0"/>
+          </a:p>
+        </p:txBody>
+      </p:sp>
+      <p:pic>
+        <p:nvPicPr>
+          <p:cNvPr id="6146" name="Picture 2"/>
+          <p:cNvPicPr>
+            <a:picLocks noChangeAspect="1" noChangeArrowheads="1"/>
+          </p:cNvPicPr>
+          <p:nvPr/>
+        </p:nvPicPr>
+        <p:blipFill>
+          <a:blip r:embed="rId2" cstate="print"/>
+          <a:srcRect/>
+          <a:stretch>
+            <a:fillRect/>
+          </a:stretch>
+        </p:blipFill>
+        <p:spPr bwMode="auto">
+          <a:xfrm>
+            <a:off x="457200" y="1219200"/>
+            <a:ext cx="7435810" cy="5381625"/>
+          </a:xfrm>
+          <a:prstGeom prst="rect">
+            <a:avLst/>
+          </a:prstGeom>
+          <a:noFill/>
+          <a:ln w="9525">
+            <a:noFill/>
+            <a:miter lim="800000"/>
+            <a:headEnd/>
+            <a:tailEnd/>
+          </a:ln>
+        </p:spPr>
+      </p:pic>
+    </p:spTree>
+  </p:cSld>
+  <p:clrMapOvr>
+    <a:masterClrMapping/>
+  </p:clrMapOvr>
+  <p:transition/>
+  <p:timing>
+    <p:tnLst>
+      <p:par>
+        <p:cTn id="1" dur="indefinite" restart="never" nodeType="tmRoot"/>
+      </p:par>
+    </p:tnLst>
+  </p:timing>
+</p:sld>
+</file>
+
+<file path=ppt/slides/slide21.xml><?xml version="1.0" encoding="utf-8"?>
+<p:sld xmlns:a="http://schemas.openxmlformats.org/drawingml/2006/main" xmlns:r="http://schemas.openxmlformats.org/officeDocument/2006/relationships" xmlns:p="http://schemas.openxmlformats.org/presentationml/2006/main">
+  <p:cSld>
+    <p:spTree>
+      <p:nvGrpSpPr>
+        <p:cNvPr id="1" name=""/>
+        <p:cNvGrpSpPr/>
+        <p:nvPr/>
+      </p:nvGrpSpPr>
+      <p:grpSpPr>
+        <a:xfrm>
+          <a:off x="0" y="0"/>
+          <a:ext cx="0" cy="0"/>
+          <a:chOff x="0" y="0"/>
+          <a:chExt cx="0" cy="0"/>
+        </a:xfrm>
+      </p:grpSpPr>
+      <p:sp>
+        <p:nvSpPr>
+          <p:cNvPr id="2" name="Title 1"/>
+          <p:cNvSpPr>
+            <a:spLocks noGrp="1"/>
+          </p:cNvSpPr>
+          <p:nvPr>
+            <p:ph type="title"/>
+          </p:nvPr>
+        </p:nvSpPr>
+        <p:spPr/>
+        <p:txBody>
           <a:bodyPr>
             <a:normAutofit fontScale="90000"/>
           </a:bodyPr>
@@ -5514,7 +5568,7 @@
 </p:sld>
 </file>
 
-<file path=ppt/slides/slide21.xml><?xml version="1.0" encoding="utf-8"?>
+<file path=ppt/slides/slide22.xml><?xml version="1.0" encoding="utf-8"?>
 <p:sld xmlns:a="http://schemas.openxmlformats.org/drawingml/2006/main" xmlns:r="http://schemas.openxmlformats.org/officeDocument/2006/relationships" xmlns:p="http://schemas.openxmlformats.org/presentationml/2006/main">
   <p:cSld>
     <p:spTree>
@@ -5601,7 +5655,7 @@
 </p:sld>
 </file>
 
-<file path=ppt/slides/slide22.xml><?xml version="1.0" encoding="utf-8"?>
+<file path=ppt/slides/slide23.xml><?xml version="1.0" encoding="utf-8"?>
 <p:sld xmlns:a="http://schemas.openxmlformats.org/drawingml/2006/main" xmlns:r="http://schemas.openxmlformats.org/officeDocument/2006/relationships" xmlns:p="http://schemas.openxmlformats.org/presentationml/2006/main">
   <p:cSld>
     <p:spTree>
@@ -5715,148 +5769,6 @@
 </p:sld>
 </file>
 
-<file path=ppt/slides/slide23.xml><?xml version="1.0" encoding="utf-8"?>
-<p:sld xmlns:a="http://schemas.openxmlformats.org/drawingml/2006/main" xmlns:r="http://schemas.openxmlformats.org/officeDocument/2006/relationships" xmlns:p="http://schemas.openxmlformats.org/presentationml/2006/main">
-  <p:cSld>
-    <p:spTree>
-      <p:nvGrpSpPr>
-        <p:cNvPr id="1" name=""/>
-        <p:cNvGrpSpPr/>
-        <p:nvPr/>
-      </p:nvGrpSpPr>
-      <p:grpSpPr>
-        <a:xfrm>
-          <a:off x="0" y="0"/>
-          <a:ext cx="0" cy="0"/>
-          <a:chOff x="0" y="0"/>
-          <a:chExt cx="0" cy="0"/>
-        </a:xfrm>
-      </p:grpSpPr>
-      <p:sp>
-        <p:nvSpPr>
-          <p:cNvPr id="2" name="Title 1"/>
-          <p:cNvSpPr>
-            <a:spLocks noGrp="1"/>
-          </p:cNvSpPr>
-          <p:nvPr>
-            <p:ph type="title"/>
-          </p:nvPr>
-        </p:nvSpPr>
-        <p:spPr/>
-        <p:txBody>
-          <a:bodyPr/>
-          <a:lstStyle/>
-          <a:p>
-            <a:r>
-              <a:rPr lang="en-US" dirty="0" smtClean="0"/>
-              <a:t>Most traits are not </a:t>
-            </a:r>
-            <a:r>
-              <a:rPr lang="en-US" dirty="0" err="1" smtClean="0"/>
-              <a:t>Mendelian</a:t>
-            </a:r>
-            <a:endParaRPr lang="en-US" dirty="0"/>
-          </a:p>
-        </p:txBody>
-      </p:sp>
-      <p:sp>
-        <p:nvSpPr>
-          <p:cNvPr id="3" name="Content Placeholder 2"/>
-          <p:cNvSpPr>
-            <a:spLocks noGrp="1"/>
-          </p:cNvSpPr>
-          <p:nvPr>
-            <p:ph idx="1"/>
-          </p:nvPr>
-        </p:nvSpPr>
-        <p:spPr/>
-        <p:txBody>
-          <a:bodyPr>
-            <a:normAutofit lnSpcReduction="10000"/>
-          </a:bodyPr>
-          <a:lstStyle/>
-          <a:p>
-            <a:r>
-              <a:rPr lang="en-US" dirty="0" err="1" smtClean="0"/>
-              <a:t>Mendelian</a:t>
-            </a:r>
-            <a:r>
-              <a:rPr lang="en-US" dirty="0" smtClean="0"/>
-              <a:t> traits are due to difference at single genetic locus.</a:t>
-            </a:r>
-          </a:p>
-          <a:p>
-            <a:r>
-              <a:rPr lang="en-US" dirty="0" smtClean="0"/>
-              <a:t>Most traits of interest to social scientists are influenced by LOTS of genes. </a:t>
-            </a:r>
-          </a:p>
-          <a:p>
-            <a:pPr lvl="1"/>
-            <a:r>
-              <a:rPr lang="en-US" i="1" dirty="0" err="1" smtClean="0"/>
-              <a:t>Mendelian</a:t>
-            </a:r>
-            <a:r>
-              <a:rPr lang="en-US" dirty="0" smtClean="0"/>
-              <a:t>: Cystic Fibrosis, sickle cell anemia</a:t>
-            </a:r>
-          </a:p>
-          <a:p>
-            <a:pPr lvl="1"/>
-            <a:r>
-              <a:rPr lang="en-US" dirty="0" smtClean="0"/>
-              <a:t>“</a:t>
-            </a:r>
-            <a:r>
-              <a:rPr lang="en-US" i="1" dirty="0" smtClean="0"/>
-              <a:t>Quasi-</a:t>
-            </a:r>
-            <a:r>
-              <a:rPr lang="en-US" i="1" dirty="0" err="1" smtClean="0"/>
-              <a:t>Mendelian</a:t>
-            </a:r>
-            <a:r>
-              <a:rPr lang="en-US" dirty="0" smtClean="0"/>
-              <a:t>”: breast cancer, Alzheimer’s</a:t>
-            </a:r>
-          </a:p>
-          <a:p>
-            <a:pPr lvl="1"/>
-            <a:r>
-              <a:rPr lang="en-US" i="1" dirty="0" smtClean="0"/>
-              <a:t>Complex</a:t>
-            </a:r>
-            <a:r>
-              <a:rPr lang="en-US" dirty="0" smtClean="0"/>
-              <a:t>: height, BMI, educational attainment, etc.</a:t>
-            </a:r>
-          </a:p>
-          <a:p>
-            <a:r>
-              <a:rPr lang="en-US" dirty="0" smtClean="0"/>
-              <a:t>We will talk about trait “architectures”.</a:t>
-            </a:r>
-            <a:endParaRPr lang="en-US" dirty="0"/>
-          </a:p>
-        </p:txBody>
-      </p:sp>
-    </p:spTree>
-  </p:cSld>
-  <p:clrMapOvr>
-    <a:masterClrMapping/>
-  </p:clrMapOvr>
-  <p:transition/>
-  <p:timing>
-    <p:tnLst>
-      <p:par>
-        <p:cTn id="1" dur="indefinite" restart="never" nodeType="tmRoot"/>
-      </p:par>
-    </p:tnLst>
-  </p:timing>
-</p:sld>
-</file>
-
 <file path=ppt/slides/slide24.xml><?xml version="1.0" encoding="utf-8"?>
 <p:sld xmlns:a="http://schemas.openxmlformats.org/drawingml/2006/main" xmlns:r="http://schemas.openxmlformats.org/officeDocument/2006/relationships" xmlns:p="http://schemas.openxmlformats.org/presentationml/2006/main">
   <p:cSld>
@@ -5886,51 +5798,100 @@
         </p:nvSpPr>
         <p:spPr/>
         <p:txBody>
+          <a:bodyPr/>
+          <a:lstStyle/>
+          <a:p>
+            <a:r>
+              <a:rPr lang="en-US" dirty="0" smtClean="0"/>
+              <a:t>Most traits are not </a:t>
+            </a:r>
+            <a:r>
+              <a:rPr lang="en-US" dirty="0" err="1" smtClean="0"/>
+              <a:t>Mendelian</a:t>
+            </a:r>
+            <a:endParaRPr lang="en-US" dirty="0"/>
+          </a:p>
+        </p:txBody>
+      </p:sp>
+      <p:sp>
+        <p:nvSpPr>
+          <p:cNvPr id="3" name="Content Placeholder 2"/>
+          <p:cNvSpPr>
+            <a:spLocks noGrp="1"/>
+          </p:cNvSpPr>
+          <p:nvPr>
+            <p:ph idx="1"/>
+          </p:nvPr>
+        </p:nvSpPr>
+        <p:spPr/>
+        <p:txBody>
           <a:bodyPr>
-            <a:normAutofit fontScale="90000"/>
+            <a:normAutofit lnSpcReduction="10000"/>
           </a:bodyPr>
           <a:lstStyle/>
           <a:p>
             <a:r>
-              <a:rPr lang="en-US" dirty="0" smtClean="0"/>
-              <a:t>Genome-wide data is not sequence data</a:t>
+              <a:rPr lang="en-US" dirty="0" err="1" smtClean="0"/>
+              <a:t>Mendelian</a:t>
+            </a:r>
+            <a:r>
+              <a:rPr lang="en-US" dirty="0" smtClean="0"/>
+              <a:t> traits are due to difference at single genetic locus.</a:t>
+            </a:r>
+          </a:p>
+          <a:p>
+            <a:r>
+              <a:rPr lang="en-US" dirty="0" smtClean="0"/>
+              <a:t>Most traits of interest to social scientists are influenced by LOTS of genes. </a:t>
+            </a:r>
+          </a:p>
+          <a:p>
+            <a:pPr lvl="1"/>
+            <a:r>
+              <a:rPr lang="en-US" i="1" dirty="0" err="1" smtClean="0"/>
+              <a:t>Mendelian</a:t>
+            </a:r>
+            <a:r>
+              <a:rPr lang="en-US" dirty="0" smtClean="0"/>
+              <a:t>: Cystic Fibrosis, sickle cell anemia</a:t>
+            </a:r>
+          </a:p>
+          <a:p>
+            <a:pPr lvl="1"/>
+            <a:r>
+              <a:rPr lang="en-US" dirty="0" smtClean="0"/>
+              <a:t>“</a:t>
+            </a:r>
+            <a:r>
+              <a:rPr lang="en-US" i="1" dirty="0" smtClean="0"/>
+              <a:t>Quasi-</a:t>
+            </a:r>
+            <a:r>
+              <a:rPr lang="en-US" i="1" dirty="0" err="1" smtClean="0"/>
+              <a:t>Mendelian</a:t>
+            </a:r>
+            <a:r>
+              <a:rPr lang="en-US" dirty="0" smtClean="0"/>
+              <a:t>”: breast cancer, Alzheimer’s</a:t>
+            </a:r>
+          </a:p>
+          <a:p>
+            <a:pPr lvl="1"/>
+            <a:r>
+              <a:rPr lang="en-US" i="1" dirty="0" smtClean="0"/>
+              <a:t>Complex</a:t>
+            </a:r>
+            <a:r>
+              <a:rPr lang="en-US" dirty="0" smtClean="0"/>
+              <a:t>: height, BMI, educational attainment, etc.</a:t>
+            </a:r>
+          </a:p>
+          <a:p>
+            <a:r>
+              <a:rPr lang="en-US" dirty="0" smtClean="0"/>
+              <a:t>We will talk about trait “architectures”.</a:t>
             </a:r>
             <a:endParaRPr lang="en-US" dirty="0"/>
-          </a:p>
-        </p:txBody>
-      </p:sp>
-      <p:sp>
-        <p:nvSpPr>
-          <p:cNvPr id="3" name="Content Placeholder 2"/>
-          <p:cNvSpPr>
-            <a:spLocks noGrp="1"/>
-          </p:cNvSpPr>
-          <p:nvPr>
-            <p:ph idx="1"/>
-          </p:nvPr>
-        </p:nvSpPr>
-        <p:spPr/>
-        <p:txBody>
-          <a:bodyPr/>
-          <a:lstStyle/>
-          <a:p>
-            <a:r>
-              <a:rPr lang="en-US" dirty="0" smtClean="0"/>
-              <a:t>Genome-wide data will look at just SNPs (and even just a sample of those). </a:t>
-            </a:r>
-          </a:p>
-          <a:p>
-            <a:r>
-              <a:rPr lang="en-US" dirty="0" smtClean="0"/>
-              <a:t>Sequence data contains information about EVERY base pair.</a:t>
-            </a:r>
-          </a:p>
-          <a:p>
-            <a:pPr lvl="1"/>
-            <a:r>
-              <a:rPr lang="en-US" dirty="0" smtClean="0"/>
-              <a:t>Of interest for study of rare variants and de novo mutations.</a:t>
-            </a:r>
           </a:p>
         </p:txBody>
       </p:sp>
@@ -5951,6 +5912,99 @@
 </file>
 
 <file path=ppt/slides/slide25.xml><?xml version="1.0" encoding="utf-8"?>
+<p:sld xmlns:a="http://schemas.openxmlformats.org/drawingml/2006/main" xmlns:r="http://schemas.openxmlformats.org/officeDocument/2006/relationships" xmlns:p="http://schemas.openxmlformats.org/presentationml/2006/main">
+  <p:cSld>
+    <p:spTree>
+      <p:nvGrpSpPr>
+        <p:cNvPr id="1" name=""/>
+        <p:cNvGrpSpPr/>
+        <p:nvPr/>
+      </p:nvGrpSpPr>
+      <p:grpSpPr>
+        <a:xfrm>
+          <a:off x="0" y="0"/>
+          <a:ext cx="0" cy="0"/>
+          <a:chOff x="0" y="0"/>
+          <a:chExt cx="0" cy="0"/>
+        </a:xfrm>
+      </p:grpSpPr>
+      <p:sp>
+        <p:nvSpPr>
+          <p:cNvPr id="2" name="Title 1"/>
+          <p:cNvSpPr>
+            <a:spLocks noGrp="1"/>
+          </p:cNvSpPr>
+          <p:nvPr>
+            <p:ph type="title"/>
+          </p:nvPr>
+        </p:nvSpPr>
+        <p:spPr/>
+        <p:txBody>
+          <a:bodyPr>
+            <a:normAutofit fontScale="90000"/>
+          </a:bodyPr>
+          <a:lstStyle/>
+          <a:p>
+            <a:r>
+              <a:rPr lang="en-US" dirty="0" smtClean="0"/>
+              <a:t>Genome-wide data is not sequence data</a:t>
+            </a:r>
+            <a:endParaRPr lang="en-US" dirty="0"/>
+          </a:p>
+        </p:txBody>
+      </p:sp>
+      <p:sp>
+        <p:nvSpPr>
+          <p:cNvPr id="3" name="Content Placeholder 2"/>
+          <p:cNvSpPr>
+            <a:spLocks noGrp="1"/>
+          </p:cNvSpPr>
+          <p:nvPr>
+            <p:ph idx="1"/>
+          </p:nvPr>
+        </p:nvSpPr>
+        <p:spPr/>
+        <p:txBody>
+          <a:bodyPr/>
+          <a:lstStyle/>
+          <a:p>
+            <a:r>
+              <a:rPr lang="en-US" dirty="0" smtClean="0"/>
+              <a:t>Genome-wide data will look at just SNPs (and even just a sample of those). </a:t>
+            </a:r>
+          </a:p>
+          <a:p>
+            <a:r>
+              <a:rPr lang="en-US" dirty="0" smtClean="0"/>
+              <a:t>Sequence data contains information about EVERY base pair.</a:t>
+            </a:r>
+          </a:p>
+          <a:p>
+            <a:pPr lvl="1"/>
+            <a:r>
+              <a:rPr lang="en-US" dirty="0" smtClean="0"/>
+              <a:t>Of interest for study of rare variants and de novo mutations.</a:t>
+            </a:r>
+          </a:p>
+        </p:txBody>
+      </p:sp>
+    </p:spTree>
+  </p:cSld>
+  <p:clrMapOvr>
+    <a:masterClrMapping/>
+  </p:clrMapOvr>
+  <p:transition/>
+  <p:timing>
+    <p:tnLst>
+      <p:par>
+        <p:cTn id="1" dur="indefinite" restart="never" nodeType="tmRoot"/>
+      </p:par>
+    </p:tnLst>
+  </p:timing>
+</p:sld>
+</file>
+
+<file path=ppt/slides/slide26.xml><?xml version="1.0" encoding="utf-8"?>
 <p:sld xmlns:a="http://schemas.openxmlformats.org/drawingml/2006/main" xmlns:r="http://schemas.openxmlformats.org/officeDocument/2006/relationships" xmlns:p="http://schemas.openxmlformats.org/presentationml/2006/main">
   <p:cSld>
     <p:spTree>
@@ -6034,7 +6088,7 @@
 </p:sld>
 </file>
 
-<file path=ppt/slides/slide26.xml><?xml version="1.0" encoding="utf-8"?>
+<file path=ppt/slides/slide27.xml><?xml version="1.0" encoding="utf-8"?>
 <p:sld xmlns:a="http://schemas.openxmlformats.org/drawingml/2006/main" xmlns:r="http://schemas.openxmlformats.org/officeDocument/2006/relationships" xmlns:p="http://schemas.openxmlformats.org/presentationml/2006/main">
   <p:cSld>
     <p:spTree>
@@ -6124,7 +6178,7 @@
 </p:sld>
 </file>
 
-<file path=ppt/slides/slide27.xml><?xml version="1.0" encoding="utf-8"?>
+<file path=ppt/slides/slide28.xml><?xml version="1.0" encoding="utf-8"?>
 <p:sld xmlns:a="http://schemas.openxmlformats.org/drawingml/2006/main" xmlns:r="http://schemas.openxmlformats.org/officeDocument/2006/relationships" xmlns:p="http://schemas.openxmlformats.org/presentationml/2006/main">
   <p:cSld>
     <p:spTree>
@@ -6211,19 +6265,7 @@
           <a:p>
             <a:r>
               <a:rPr lang="en-US" dirty="0" smtClean="0"/>
-              <a:t>When </a:t>
-            </a:r>
-            <a:r>
-              <a:rPr lang="en-US" dirty="0" smtClean="0"/>
-              <a:t>calling algorithms work properly, </a:t>
-            </a:r>
-            <a:r>
-              <a:rPr lang="en-US" dirty="0" smtClean="0"/>
-              <a:t>we </a:t>
-            </a:r>
-            <a:r>
-              <a:rPr lang="en-US" dirty="0" smtClean="0"/>
-              <a:t>now have 0/1/2s for our SNPs.</a:t>
+              <a:t>When calling algorithms work properly, we now have 0/1/2s for our SNPs.</a:t>
             </a:r>
           </a:p>
           <a:p>
@@ -6311,7 +6353,7 @@
 </p:sld>
 </file>
 
-<file path=ppt/slides/slide28.xml><?xml version="1.0" encoding="utf-8"?>
+<file path=ppt/slides/slide29.xml><?xml version="1.0" encoding="utf-8"?>
 <p:sld xmlns:a="http://schemas.openxmlformats.org/drawingml/2006/main" xmlns:r="http://schemas.openxmlformats.org/officeDocument/2006/relationships" xmlns:p="http://schemas.openxmlformats.org/presentationml/2006/main">
   <p:cSld>
     <p:spTree>
@@ -6417,7 +6459,88 @@
 </p:sld>
 </file>
 
-<file path=ppt/slides/slide29.xml><?xml version="1.0" encoding="utf-8"?>
+<file path=ppt/slides/slide3.xml><?xml version="1.0" encoding="utf-8"?>
+<p:sld xmlns:a="http://schemas.openxmlformats.org/drawingml/2006/main" xmlns:r="http://schemas.openxmlformats.org/officeDocument/2006/relationships" xmlns:p="http://schemas.openxmlformats.org/presentationml/2006/main">
+  <p:cSld>
+    <p:spTree>
+      <p:nvGrpSpPr>
+        <p:cNvPr id="1" name=""/>
+        <p:cNvGrpSpPr/>
+        <p:nvPr/>
+      </p:nvGrpSpPr>
+      <p:grpSpPr>
+        <a:xfrm>
+          <a:off x="0" y="0"/>
+          <a:ext cx="0" cy="0"/>
+          <a:chOff x="0" y="0"/>
+          <a:chExt cx="0" cy="0"/>
+        </a:xfrm>
+      </p:grpSpPr>
+      <p:sp>
+        <p:nvSpPr>
+          <p:cNvPr id="2" name="Title 1"/>
+          <p:cNvSpPr>
+            <a:spLocks noGrp="1"/>
+          </p:cNvSpPr>
+          <p:nvPr>
+            <p:ph type="title"/>
+          </p:nvPr>
+        </p:nvSpPr>
+        <p:spPr/>
+        <p:txBody>
+          <a:bodyPr/>
+          <a:lstStyle/>
+          <a:p>
+            <a:endParaRPr lang="en-US"/>
+          </a:p>
+        </p:txBody>
+      </p:sp>
+      <p:sp>
+        <p:nvSpPr>
+          <p:cNvPr id="3" name="Content Placeholder 2"/>
+          <p:cNvSpPr>
+            <a:spLocks noGrp="1"/>
+          </p:cNvSpPr>
+          <p:nvPr>
+            <p:ph idx="1"/>
+          </p:nvPr>
+        </p:nvSpPr>
+        <p:spPr/>
+        <p:txBody>
+          <a:bodyPr/>
+          <a:lstStyle/>
+          <a:p>
+            <a:r>
+              <a:rPr lang="en-US" dirty="0" smtClean="0"/>
+              <a:t>Resources available here:</a:t>
+            </a:r>
+          </a:p>
+          <a:p>
+            <a:pPr marL="0" indent="0">
+              <a:buNone/>
+            </a:pPr>
+            <a:r>
+              <a:rPr lang="en-US"/>
+              <a:t>https://github.com/ben-domingue/mex-gw-workshop</a:t>
+            </a:r>
+          </a:p>
+        </p:txBody>
+      </p:sp>
+    </p:spTree>
+    <p:extLst>
+      <p:ext uri="{BB962C8B-B14F-4D97-AF65-F5344CB8AC3E}">
+        <p14:creationId xmlns:p14="http://schemas.microsoft.com/office/powerpoint/2010/main" val="3150236942"/>
+      </p:ext>
+    </p:extLst>
+  </p:cSld>
+  <p:clrMapOvr>
+    <a:masterClrMapping/>
+  </p:clrMapOvr>
+  <p:transition/>
+</p:sld>
+</file>
+
+<file path=ppt/slides/slide30.xml><?xml version="1.0" encoding="utf-8"?>
 <p:sld xmlns:a="http://schemas.openxmlformats.org/drawingml/2006/main" xmlns:r="http://schemas.openxmlformats.org/officeDocument/2006/relationships" xmlns:p="http://schemas.openxmlformats.org/presentationml/2006/main">
   <p:cSld>
     <p:spTree>
@@ -6595,7 +6718,1080 @@
 </p:sld>
 </file>
 
-<file path=ppt/slides/slide3.xml><?xml version="1.0" encoding="utf-8"?>
+<file path=ppt/slides/slide31.xml><?xml version="1.0" encoding="utf-8"?>
+<p:sld xmlns:a="http://schemas.openxmlformats.org/drawingml/2006/main" xmlns:r="http://schemas.openxmlformats.org/officeDocument/2006/relationships" xmlns:p="http://schemas.openxmlformats.org/presentationml/2006/main">
+  <p:cSld>
+    <p:spTree>
+      <p:nvGrpSpPr>
+        <p:cNvPr id="1" name=""/>
+        <p:cNvGrpSpPr/>
+        <p:nvPr/>
+      </p:nvGrpSpPr>
+      <p:grpSpPr>
+        <a:xfrm>
+          <a:off x="0" y="0"/>
+          <a:ext cx="0" cy="0"/>
+          <a:chOff x="0" y="0"/>
+          <a:chExt cx="0" cy="0"/>
+        </a:xfrm>
+      </p:grpSpPr>
+      <p:sp>
+        <p:nvSpPr>
+          <p:cNvPr id="2" name="Title 1"/>
+          <p:cNvSpPr>
+            <a:spLocks noGrp="1"/>
+          </p:cNvSpPr>
+          <p:nvPr>
+            <p:ph type="title"/>
+          </p:nvPr>
+        </p:nvSpPr>
+        <p:spPr/>
+        <p:txBody>
+          <a:bodyPr/>
+          <a:lstStyle/>
+          <a:p>
+            <a:r>
+              <a:rPr lang="en-US" dirty="0" smtClean="0"/>
+              <a:t>Allele Frequencies</a:t>
+            </a:r>
+            <a:endParaRPr lang="en-US" dirty="0"/>
+          </a:p>
+        </p:txBody>
+      </p:sp>
+      <p:sp>
+        <p:nvSpPr>
+          <p:cNvPr id="3" name="Content Placeholder 2"/>
+          <p:cNvSpPr>
+            <a:spLocks noGrp="1"/>
+          </p:cNvSpPr>
+          <p:nvPr>
+            <p:ph idx="1"/>
+          </p:nvPr>
+        </p:nvSpPr>
+        <p:spPr/>
+        <p:txBody>
+          <a:bodyPr>
+            <a:normAutofit/>
+          </a:bodyPr>
+          <a:lstStyle/>
+          <a:p>
+            <a:r>
+              <a:rPr lang="en-US" dirty="0" smtClean="0"/>
+              <a:t>SNPs are, by definition, common variants</a:t>
+            </a:r>
+          </a:p>
+          <a:p>
+            <a:r>
+              <a:rPr lang="en-US" dirty="0" smtClean="0"/>
+              <a:t>Rare variants are hard to study in the general population.</a:t>
+            </a:r>
+          </a:p>
+          <a:p>
+            <a:endParaRPr lang="en-US" dirty="0" smtClean="0"/>
+          </a:p>
+          <a:p>
+            <a:r>
+              <a:rPr lang="en-US" dirty="0" smtClean="0"/>
+              <a:t>We will exclude SNPs whose minor allele doesn’t occur at least 1% or 5% of the time.</a:t>
+            </a:r>
+          </a:p>
+          <a:p>
+            <a:endParaRPr lang="en-US" dirty="0" smtClean="0"/>
+          </a:p>
+        </p:txBody>
+      </p:sp>
+    </p:spTree>
+  </p:cSld>
+  <p:clrMapOvr>
+    <a:masterClrMapping/>
+  </p:clrMapOvr>
+  <p:transition/>
+  <p:timing>
+    <p:tnLst>
+      <p:par>
+        <p:cTn id="1" dur="indefinite" restart="never" nodeType="tmRoot"/>
+      </p:par>
+    </p:tnLst>
+  </p:timing>
+</p:sld>
+</file>
+
+<file path=ppt/slides/slide32.xml><?xml version="1.0" encoding="utf-8"?>
+<p:sld xmlns:a="http://schemas.openxmlformats.org/drawingml/2006/main" xmlns:r="http://schemas.openxmlformats.org/officeDocument/2006/relationships" xmlns:p="http://schemas.openxmlformats.org/presentationml/2006/main">
+  <p:cSld>
+    <p:spTree>
+      <p:nvGrpSpPr>
+        <p:cNvPr id="1" name=""/>
+        <p:cNvGrpSpPr/>
+        <p:nvPr/>
+      </p:nvGrpSpPr>
+      <p:grpSpPr>
+        <a:xfrm>
+          <a:off x="0" y="0"/>
+          <a:ext cx="0" cy="0"/>
+          <a:chOff x="0" y="0"/>
+          <a:chExt cx="0" cy="0"/>
+        </a:xfrm>
+      </p:grpSpPr>
+      <p:sp>
+        <p:nvSpPr>
+          <p:cNvPr id="2" name="Title 1"/>
+          <p:cNvSpPr>
+            <a:spLocks noGrp="1"/>
+          </p:cNvSpPr>
+          <p:nvPr>
+            <p:ph type="title"/>
+          </p:nvPr>
+        </p:nvSpPr>
+        <p:spPr/>
+        <p:txBody>
+          <a:bodyPr>
+            <a:noAutofit/>
+          </a:bodyPr>
+          <a:lstStyle/>
+          <a:p>
+            <a:r>
+              <a:rPr lang="en-US" sz="2800" dirty="0" smtClean="0"/>
+              <a:t>NOTE: Allele frequencies are not constant across human populations (“population stratification”)</a:t>
+            </a:r>
+            <a:br>
+              <a:rPr lang="en-US" sz="2800" dirty="0" smtClean="0"/>
+            </a:br>
+            <a:endParaRPr lang="en-US" sz="2800" dirty="0"/>
+          </a:p>
+        </p:txBody>
+      </p:sp>
+      <p:pic>
+        <p:nvPicPr>
+          <p:cNvPr id="4098" name="Picture 2"/>
+          <p:cNvPicPr>
+            <a:picLocks noChangeAspect="1" noChangeArrowheads="1"/>
+          </p:cNvPicPr>
+          <p:nvPr/>
+        </p:nvPicPr>
+        <p:blipFill>
+          <a:blip r:embed="rId2" cstate="print"/>
+          <a:srcRect/>
+          <a:stretch>
+            <a:fillRect/>
+          </a:stretch>
+        </p:blipFill>
+        <p:spPr bwMode="auto">
+          <a:xfrm>
+            <a:off x="457200" y="1752600"/>
+            <a:ext cx="6557963" cy="4429286"/>
+          </a:xfrm>
+          <a:prstGeom prst="rect">
+            <a:avLst/>
+          </a:prstGeom>
+          <a:noFill/>
+          <a:ln w="9525">
+            <a:noFill/>
+            <a:miter lim="800000"/>
+            <a:headEnd/>
+            <a:tailEnd/>
+          </a:ln>
+        </p:spPr>
+      </p:pic>
+    </p:spTree>
+  </p:cSld>
+  <p:clrMapOvr>
+    <a:masterClrMapping/>
+  </p:clrMapOvr>
+  <p:transition/>
+  <p:timing>
+    <p:tnLst>
+      <p:par>
+        <p:cTn id="1" dur="indefinite" restart="never" nodeType="tmRoot"/>
+      </p:par>
+    </p:tnLst>
+  </p:timing>
+</p:sld>
+</file>
+
+<file path=ppt/slides/slide33.xml><?xml version="1.0" encoding="utf-8"?>
+<p:sld xmlns:a="http://schemas.openxmlformats.org/drawingml/2006/main" xmlns:r="http://schemas.openxmlformats.org/officeDocument/2006/relationships" xmlns:p="http://schemas.openxmlformats.org/presentationml/2006/main">
+  <p:cSld>
+    <p:spTree>
+      <p:nvGrpSpPr>
+        <p:cNvPr id="1" name=""/>
+        <p:cNvGrpSpPr/>
+        <p:nvPr/>
+      </p:nvGrpSpPr>
+      <p:grpSpPr>
+        <a:xfrm>
+          <a:off x="0" y="0"/>
+          <a:ext cx="0" cy="0"/>
+          <a:chOff x="0" y="0"/>
+          <a:chExt cx="0" cy="0"/>
+        </a:xfrm>
+      </p:grpSpPr>
+      <p:sp>
+        <p:nvSpPr>
+          <p:cNvPr id="2" name="Title 1"/>
+          <p:cNvSpPr>
+            <a:spLocks noGrp="1"/>
+          </p:cNvSpPr>
+          <p:nvPr>
+            <p:ph type="title"/>
+          </p:nvPr>
+        </p:nvSpPr>
+        <p:spPr/>
+        <p:txBody>
+          <a:bodyPr/>
+          <a:lstStyle/>
+          <a:p>
+            <a:r>
+              <a:rPr lang="en-US" dirty="0" smtClean="0"/>
+              <a:t>Hardy-Weinberg Equilibrium (HWE)</a:t>
+            </a:r>
+            <a:endParaRPr lang="en-US" dirty="0"/>
+          </a:p>
+        </p:txBody>
+      </p:sp>
+      <p:sp>
+        <p:nvSpPr>
+          <p:cNvPr id="3" name="Content Placeholder 2"/>
+          <p:cNvSpPr>
+            <a:spLocks noGrp="1"/>
+          </p:cNvSpPr>
+          <p:nvPr>
+            <p:ph idx="1"/>
+          </p:nvPr>
+        </p:nvSpPr>
+        <p:spPr/>
+        <p:txBody>
+          <a:bodyPr>
+            <a:normAutofit fontScale="77500" lnSpcReduction="20000"/>
+          </a:bodyPr>
+          <a:lstStyle/>
+          <a:p>
+            <a:r>
+              <a:rPr lang="en-US" dirty="0" smtClean="0"/>
+              <a:t>Recall that we have 2 alleles at each SNP. We get one from mom and one from dad. </a:t>
+            </a:r>
+          </a:p>
+          <a:p>
+            <a:r>
+              <a:rPr lang="en-US" dirty="0" smtClean="0"/>
+              <a:t>Suppose allele A has probability p and allele B has probability q (</a:t>
+            </a:r>
+            <a:r>
+              <a:rPr lang="en-US" dirty="0" err="1" smtClean="0"/>
+              <a:t>q+p</a:t>
+            </a:r>
+            <a:r>
+              <a:rPr lang="en-US" dirty="0" smtClean="0"/>
+              <a:t>=1).</a:t>
+            </a:r>
+          </a:p>
+          <a:p>
+            <a:r>
+              <a:rPr lang="en-US" dirty="0" smtClean="0"/>
+              <a:t>What distribution of genotypes (AA, AB, BB) do you expect to see?</a:t>
+            </a:r>
+          </a:p>
+          <a:p>
+            <a:pPr lvl="1"/>
+            <a:r>
+              <a:rPr lang="en-US" dirty="0" smtClean="0"/>
+              <a:t>Pr(AA)=p^2</a:t>
+            </a:r>
+          </a:p>
+          <a:p>
+            <a:pPr lvl="1"/>
+            <a:r>
+              <a:rPr lang="en-US" dirty="0" smtClean="0"/>
+              <a:t>Pr(AB)=</a:t>
+            </a:r>
+            <a:r>
+              <a:rPr lang="en-US" dirty="0" err="1" smtClean="0"/>
+              <a:t>pq</a:t>
+            </a:r>
+            <a:endParaRPr lang="en-US" dirty="0" smtClean="0"/>
+          </a:p>
+          <a:p>
+            <a:pPr lvl="1"/>
+            <a:r>
+              <a:rPr lang="en-US" dirty="0" smtClean="0"/>
+              <a:t>Pr(BB)=q^2</a:t>
+            </a:r>
+          </a:p>
+          <a:p>
+            <a:r>
+              <a:rPr lang="en-US" dirty="0" smtClean="0"/>
+              <a:t>Deviations can be a sign of genotyping error.</a:t>
+            </a:r>
+          </a:p>
+          <a:p>
+            <a:r>
+              <a:rPr lang="en-US" dirty="0" smtClean="0"/>
+              <a:t>Key assumptions: random mating (maternal and paternal genotypes are independent); p &amp; q are constant across sample (you don’t have admixed sample).</a:t>
+            </a:r>
+            <a:endParaRPr lang="en-US" dirty="0"/>
+          </a:p>
+        </p:txBody>
+      </p:sp>
+    </p:spTree>
+  </p:cSld>
+  <p:clrMapOvr>
+    <a:masterClrMapping/>
+  </p:clrMapOvr>
+  <p:transition/>
+  <p:timing>
+    <p:tnLst>
+      <p:par>
+        <p:cTn id="1" dur="indefinite" restart="never" nodeType="tmRoot"/>
+      </p:par>
+    </p:tnLst>
+  </p:timing>
+</p:sld>
+</file>
+
+<file path=ppt/slides/slide34.xml><?xml version="1.0" encoding="utf-8"?>
+<p:sld xmlns:a="http://schemas.openxmlformats.org/drawingml/2006/main" xmlns:r="http://schemas.openxmlformats.org/officeDocument/2006/relationships" xmlns:p="http://schemas.openxmlformats.org/presentationml/2006/main">
+  <p:cSld>
+    <p:spTree>
+      <p:nvGrpSpPr>
+        <p:cNvPr id="1" name=""/>
+        <p:cNvGrpSpPr/>
+        <p:nvPr/>
+      </p:nvGrpSpPr>
+      <p:grpSpPr>
+        <a:xfrm>
+          <a:off x="0" y="0"/>
+          <a:ext cx="0" cy="0"/>
+          <a:chOff x="0" y="0"/>
+          <a:chExt cx="0" cy="0"/>
+        </a:xfrm>
+      </p:grpSpPr>
+      <p:pic>
+        <p:nvPicPr>
+          <p:cNvPr id="3074" name="Picture 2"/>
+          <p:cNvPicPr>
+            <a:picLocks noChangeAspect="1" noChangeArrowheads="1"/>
+          </p:cNvPicPr>
+          <p:nvPr/>
+        </p:nvPicPr>
+        <p:blipFill>
+          <a:blip r:embed="rId2" cstate="print"/>
+          <a:srcRect/>
+          <a:stretch>
+            <a:fillRect/>
+          </a:stretch>
+        </p:blipFill>
+        <p:spPr bwMode="auto">
+          <a:xfrm>
+            <a:off x="923925" y="1114425"/>
+            <a:ext cx="7296150" cy="4629150"/>
+          </a:xfrm>
+          <a:prstGeom prst="rect">
+            <a:avLst/>
+          </a:prstGeom>
+          <a:noFill/>
+          <a:ln w="9525">
+            <a:noFill/>
+            <a:miter lim="800000"/>
+            <a:headEnd/>
+            <a:tailEnd/>
+          </a:ln>
+        </p:spPr>
+      </p:pic>
+    </p:spTree>
+  </p:cSld>
+  <p:clrMapOvr>
+    <a:masterClrMapping/>
+  </p:clrMapOvr>
+  <p:transition/>
+  <p:timing>
+    <p:tnLst>
+      <p:par>
+        <p:cTn id="1" dur="indefinite" restart="never" nodeType="tmRoot"/>
+      </p:par>
+    </p:tnLst>
+  </p:timing>
+</p:sld>
+</file>
+
+<file path=ppt/slides/slide35.xml><?xml version="1.0" encoding="utf-8"?>
+<p:sld xmlns:a="http://schemas.openxmlformats.org/drawingml/2006/main" xmlns:r="http://schemas.openxmlformats.org/officeDocument/2006/relationships" xmlns:p="http://schemas.openxmlformats.org/presentationml/2006/main">
+  <p:cSld>
+    <p:spTree>
+      <p:nvGrpSpPr>
+        <p:cNvPr id="1" name=""/>
+        <p:cNvGrpSpPr/>
+        <p:nvPr/>
+      </p:nvGrpSpPr>
+      <p:grpSpPr>
+        <a:xfrm>
+          <a:off x="0" y="0"/>
+          <a:ext cx="0" cy="0"/>
+          <a:chOff x="0" y="0"/>
+          <a:chExt cx="0" cy="0"/>
+        </a:xfrm>
+      </p:grpSpPr>
+      <p:sp>
+        <p:nvSpPr>
+          <p:cNvPr id="2" name="Title 1"/>
+          <p:cNvSpPr>
+            <a:spLocks noGrp="1"/>
+          </p:cNvSpPr>
+          <p:nvPr>
+            <p:ph type="title"/>
+          </p:nvPr>
+        </p:nvSpPr>
+        <p:spPr/>
+        <p:txBody>
+          <a:bodyPr/>
+          <a:lstStyle/>
+          <a:p>
+            <a:endParaRPr lang="en-US"/>
+          </a:p>
+        </p:txBody>
+      </p:sp>
+      <p:sp>
+        <p:nvSpPr>
+          <p:cNvPr id="3" name="Content Placeholder 2"/>
+          <p:cNvSpPr>
+            <a:spLocks noGrp="1"/>
+          </p:cNvSpPr>
+          <p:nvPr>
+            <p:ph idx="1"/>
+          </p:nvPr>
+        </p:nvSpPr>
+        <p:spPr/>
+        <p:txBody>
+          <a:bodyPr/>
+          <a:lstStyle/>
+          <a:p>
+            <a:r>
+              <a:rPr lang="en-US" dirty="0" smtClean="0"/>
+              <a:t>Warning: Working across </a:t>
+            </a:r>
+            <a:r>
+              <a:rPr lang="en-US" dirty="0" err="1" smtClean="0"/>
+              <a:t>mutiple</a:t>
+            </a:r>
+            <a:r>
+              <a:rPr lang="en-US" dirty="0" smtClean="0"/>
+              <a:t> populations is HARD. </a:t>
+            </a:r>
+          </a:p>
+          <a:p>
+            <a:r>
+              <a:rPr lang="en-US" dirty="0" smtClean="0"/>
+              <a:t>I want to reiterate this.</a:t>
+            </a:r>
+          </a:p>
+          <a:p>
+            <a:r>
+              <a:rPr lang="en-US" dirty="0" smtClean="0"/>
+              <a:t>It will be the basis for tomorrow’s talk.</a:t>
+            </a:r>
+            <a:endParaRPr lang="en-US" dirty="0"/>
+          </a:p>
+        </p:txBody>
+      </p:sp>
+    </p:spTree>
+  </p:cSld>
+  <p:clrMapOvr>
+    <a:masterClrMapping/>
+  </p:clrMapOvr>
+  <p:transition/>
+  <p:timing>
+    <p:tnLst>
+      <p:par>
+        <p:cTn id="1" dur="indefinite" restart="never" nodeType="tmRoot"/>
+      </p:par>
+    </p:tnLst>
+  </p:timing>
+</p:sld>
+</file>
+
+<file path=ppt/slides/slide36.xml><?xml version="1.0" encoding="utf-8"?>
+<p:sld xmlns:a="http://schemas.openxmlformats.org/drawingml/2006/main" xmlns:r="http://schemas.openxmlformats.org/officeDocument/2006/relationships" xmlns:p="http://schemas.openxmlformats.org/presentationml/2006/main">
+  <p:cSld>
+    <p:spTree>
+      <p:nvGrpSpPr>
+        <p:cNvPr id="1" name=""/>
+        <p:cNvGrpSpPr/>
+        <p:nvPr/>
+      </p:nvGrpSpPr>
+      <p:grpSpPr>
+        <a:xfrm>
+          <a:off x="0" y="0"/>
+          <a:ext cx="0" cy="0"/>
+          <a:chOff x="0" y="0"/>
+          <a:chExt cx="0" cy="0"/>
+        </a:xfrm>
+      </p:grpSpPr>
+      <p:sp>
+        <p:nvSpPr>
+          <p:cNvPr id="2" name="Title 1"/>
+          <p:cNvSpPr>
+            <a:spLocks noGrp="1"/>
+          </p:cNvSpPr>
+          <p:nvPr>
+            <p:ph type="title"/>
+          </p:nvPr>
+        </p:nvSpPr>
+        <p:spPr/>
+        <p:txBody>
+          <a:bodyPr/>
+          <a:lstStyle/>
+          <a:p>
+            <a:r>
+              <a:rPr lang="en-US" dirty="0" smtClean="0"/>
+              <a:t>Linkage: A Key concept</a:t>
+            </a:r>
+            <a:endParaRPr lang="en-US" dirty="0"/>
+          </a:p>
+        </p:txBody>
+      </p:sp>
+      <p:sp>
+        <p:nvSpPr>
+          <p:cNvPr id="3" name="Content Placeholder 2"/>
+          <p:cNvSpPr>
+            <a:spLocks noGrp="1"/>
+          </p:cNvSpPr>
+          <p:nvPr>
+            <p:ph idx="1"/>
+          </p:nvPr>
+        </p:nvSpPr>
+        <p:spPr>
+          <a:xfrm>
+            <a:off x="457200" y="1600200"/>
+            <a:ext cx="3352800" cy="4525963"/>
+          </a:xfrm>
+        </p:spPr>
+        <p:txBody>
+          <a:bodyPr>
+            <a:normAutofit fontScale="92500" lnSpcReduction="10000"/>
+          </a:bodyPr>
+          <a:lstStyle/>
+          <a:p>
+            <a:r>
+              <a:rPr lang="en-US" dirty="0" smtClean="0"/>
+              <a:t>Linkage refers to the fact that “chunks” of chromosomes get inherited together.</a:t>
+            </a:r>
+          </a:p>
+          <a:p>
+            <a:r>
+              <a:rPr lang="en-US" dirty="0" smtClean="0"/>
+              <a:t>Consequence: SNPs are correlated with those nearby.</a:t>
+            </a:r>
+            <a:endParaRPr lang="en-US" dirty="0"/>
+          </a:p>
+        </p:txBody>
+      </p:sp>
+      <p:pic>
+        <p:nvPicPr>
+          <p:cNvPr id="4" name="Picture 3" descr="Meiosis_Overview.png"/>
+          <p:cNvPicPr>
+            <a:picLocks noChangeAspect="1"/>
+          </p:cNvPicPr>
+          <p:nvPr/>
+        </p:nvPicPr>
+        <p:blipFill>
+          <a:blip r:embed="rId2" cstate="print"/>
+          <a:stretch>
+            <a:fillRect/>
+          </a:stretch>
+        </p:blipFill>
+        <p:spPr>
+          <a:xfrm>
+            <a:off x="4777661" y="1981200"/>
+            <a:ext cx="4366339" cy="2743200"/>
+          </a:xfrm>
+          <a:prstGeom prst="rect">
+            <a:avLst/>
+          </a:prstGeom>
+        </p:spPr>
+      </p:pic>
+    </p:spTree>
+  </p:cSld>
+  <p:clrMapOvr>
+    <a:masterClrMapping/>
+  </p:clrMapOvr>
+  <p:transition/>
+  <p:timing>
+    <p:tnLst>
+      <p:par>
+        <p:cTn id="1" dur="indefinite" restart="never" nodeType="tmRoot"/>
+      </p:par>
+    </p:tnLst>
+  </p:timing>
+</p:sld>
+</file>
+
+<file path=ppt/slides/slide37.xml><?xml version="1.0" encoding="utf-8"?>
+<p:sld xmlns:a="http://schemas.openxmlformats.org/drawingml/2006/main" xmlns:r="http://schemas.openxmlformats.org/officeDocument/2006/relationships" xmlns:p="http://schemas.openxmlformats.org/presentationml/2006/main">
+  <p:cSld>
+    <p:spTree>
+      <p:nvGrpSpPr>
+        <p:cNvPr id="1" name=""/>
+        <p:cNvGrpSpPr/>
+        <p:nvPr/>
+      </p:nvGrpSpPr>
+      <p:grpSpPr>
+        <a:xfrm>
+          <a:off x="0" y="0"/>
+          <a:ext cx="0" cy="0"/>
+          <a:chOff x="0" y="0"/>
+          <a:chExt cx="0" cy="0"/>
+        </a:xfrm>
+      </p:grpSpPr>
+      <p:sp>
+        <p:nvSpPr>
+          <p:cNvPr id="2" name="Title 1"/>
+          <p:cNvSpPr>
+            <a:spLocks noGrp="1"/>
+          </p:cNvSpPr>
+          <p:nvPr>
+            <p:ph type="title"/>
+          </p:nvPr>
+        </p:nvSpPr>
+        <p:spPr/>
+        <p:txBody>
+          <a:bodyPr/>
+          <a:lstStyle/>
+          <a:p>
+            <a:r>
+              <a:rPr lang="en-US" dirty="0" smtClean="0"/>
+              <a:t>Linkage map</a:t>
+            </a:r>
+            <a:endParaRPr lang="en-US" dirty="0"/>
+          </a:p>
+        </p:txBody>
+      </p:sp>
+      <p:pic>
+        <p:nvPicPr>
+          <p:cNvPr id="4" name="Picture 3" descr="linkage.jpeg"/>
+          <p:cNvPicPr>
+            <a:picLocks noChangeAspect="1"/>
+          </p:cNvPicPr>
+          <p:nvPr/>
+        </p:nvPicPr>
+        <p:blipFill>
+          <a:blip r:embed="rId2" cstate="print"/>
+          <a:stretch>
+            <a:fillRect/>
+          </a:stretch>
+        </p:blipFill>
+        <p:spPr>
+          <a:xfrm>
+            <a:off x="381000" y="1219200"/>
+            <a:ext cx="7416800" cy="4171950"/>
+          </a:xfrm>
+          <a:prstGeom prst="rect">
+            <a:avLst/>
+          </a:prstGeom>
+        </p:spPr>
+      </p:pic>
+      <p:sp>
+        <p:nvSpPr>
+          <p:cNvPr id="5" name="TextBox 4"/>
+          <p:cNvSpPr txBox="1"/>
+          <p:nvPr/>
+        </p:nvSpPr>
+        <p:spPr>
+          <a:xfrm>
+            <a:off x="685800" y="5486400"/>
+            <a:ext cx="7848600" cy="1200329"/>
+          </a:xfrm>
+          <a:prstGeom prst="rect">
+            <a:avLst/>
+          </a:prstGeom>
+          <a:noFill/>
+        </p:spPr>
+        <p:txBody>
+          <a:bodyPr wrap="square" rtlCol="0">
+            <a:spAutoFit/>
+          </a:bodyPr>
+          <a:lstStyle/>
+          <a:p>
+            <a:pPr>
+              <a:buFont typeface="Arial" pitchFamily="34" charset="0"/>
+              <a:buChar char="•"/>
+            </a:pPr>
+            <a:r>
+              <a:rPr lang="en-US" dirty="0" smtClean="0"/>
+              <a:t>Tag SNPs</a:t>
+            </a:r>
+          </a:p>
+          <a:p>
+            <a:pPr>
+              <a:buFont typeface="Arial" pitchFamily="34" charset="0"/>
+              <a:buChar char="•"/>
+            </a:pPr>
+            <a:r>
+              <a:rPr lang="en-US" dirty="0" smtClean="0"/>
+              <a:t>Linkage patterns vary across population. </a:t>
+            </a:r>
+          </a:p>
+          <a:p>
+            <a:pPr>
+              <a:buFont typeface="Arial" pitchFamily="34" charset="0"/>
+              <a:buChar char="•"/>
+            </a:pPr>
+            <a:r>
+              <a:rPr lang="en-US" dirty="0" smtClean="0"/>
+              <a:t>Tag SNP in one group may not tag same gene in different population.</a:t>
+            </a:r>
+          </a:p>
+          <a:p>
+            <a:pPr>
+              <a:buFont typeface="Arial" pitchFamily="34" charset="0"/>
+              <a:buChar char="•"/>
+            </a:pPr>
+            <a:endParaRPr lang="en-US" dirty="0"/>
+          </a:p>
+        </p:txBody>
+      </p:sp>
+    </p:spTree>
+  </p:cSld>
+  <p:clrMapOvr>
+    <a:masterClrMapping/>
+  </p:clrMapOvr>
+  <p:transition/>
+  <p:timing>
+    <p:tnLst>
+      <p:par>
+        <p:cTn id="1" dur="indefinite" restart="never" nodeType="tmRoot"/>
+      </p:par>
+    </p:tnLst>
+  </p:timing>
+</p:sld>
+</file>
+
+<file path=ppt/slides/slide38.xml><?xml version="1.0" encoding="utf-8"?>
+<p:sld xmlns:a="http://schemas.openxmlformats.org/drawingml/2006/main" xmlns:r="http://schemas.openxmlformats.org/officeDocument/2006/relationships" xmlns:p="http://schemas.openxmlformats.org/presentationml/2006/main">
+  <p:cSld>
+    <p:spTree>
+      <p:nvGrpSpPr>
+        <p:cNvPr id="1" name=""/>
+        <p:cNvGrpSpPr/>
+        <p:nvPr/>
+      </p:nvGrpSpPr>
+      <p:grpSpPr>
+        <a:xfrm>
+          <a:off x="0" y="0"/>
+          <a:ext cx="0" cy="0"/>
+          <a:chOff x="0" y="0"/>
+          <a:chExt cx="0" cy="0"/>
+        </a:xfrm>
+      </p:grpSpPr>
+      <p:sp>
+        <p:nvSpPr>
+          <p:cNvPr id="2" name="Title 1"/>
+          <p:cNvSpPr>
+            <a:spLocks noGrp="1"/>
+          </p:cNvSpPr>
+          <p:nvPr>
+            <p:ph type="title"/>
+          </p:nvPr>
+        </p:nvSpPr>
+        <p:spPr/>
+        <p:txBody>
+          <a:bodyPr/>
+          <a:lstStyle/>
+          <a:p>
+            <a:r>
+              <a:rPr lang="en-US" dirty="0" smtClean="0"/>
+              <a:t>plink</a:t>
+            </a:r>
+            <a:endParaRPr lang="en-US" dirty="0"/>
+          </a:p>
+        </p:txBody>
+      </p:sp>
+      <p:sp>
+        <p:nvSpPr>
+          <p:cNvPr id="3" name="Content Placeholder 2"/>
+          <p:cNvSpPr>
+            <a:spLocks noGrp="1"/>
+          </p:cNvSpPr>
+          <p:nvPr>
+            <p:ph idx="1"/>
+          </p:nvPr>
+        </p:nvSpPr>
+        <p:spPr/>
+        <p:txBody>
+          <a:bodyPr/>
+          <a:lstStyle/>
+          <a:p>
+            <a:r>
+              <a:rPr lang="en-US" dirty="0" smtClean="0"/>
+              <a:t>plink is the standard tool for processing genome-wide (and now sequence) data. </a:t>
+            </a:r>
+          </a:p>
+          <a:p>
+            <a:pPr lvl="1"/>
+            <a:r>
+              <a:rPr lang="en-US" dirty="0" smtClean="0"/>
+              <a:t>Very good documentation: http://pngu.mgh.harvard.edu/~purcell/plink/</a:t>
+            </a:r>
+          </a:p>
+          <a:p>
+            <a:r>
+              <a:rPr lang="en-US" dirty="0" smtClean="0"/>
+              <a:t>We are going to use it a lot this week. Most of the instruction will come in the lab portion, but let me first walk through the plink file formats.</a:t>
+            </a:r>
+            <a:endParaRPr lang="en-US" dirty="0"/>
+          </a:p>
+        </p:txBody>
+      </p:sp>
+    </p:spTree>
+    <p:extLst>
+      <p:ext uri="{BB962C8B-B14F-4D97-AF65-F5344CB8AC3E}">
+        <p14:creationId xmlns:p14="http://schemas.microsoft.com/office/powerpoint/2010/main" val="2882406419"/>
+      </p:ext>
+    </p:extLst>
+  </p:cSld>
+  <p:clrMapOvr>
+    <a:masterClrMapping/>
+  </p:clrMapOvr>
+  <p:transition/>
+  <p:timing>
+    <p:tnLst>
+      <p:par>
+        <p:cTn id="1" dur="indefinite" restart="never" nodeType="tmRoot"/>
+      </p:par>
+    </p:tnLst>
+  </p:timing>
+</p:sld>
+</file>
+
+<file path=ppt/slides/slide39.xml><?xml version="1.0" encoding="utf-8"?>
+<p:sld xmlns:a="http://schemas.openxmlformats.org/drawingml/2006/main" xmlns:r="http://schemas.openxmlformats.org/officeDocument/2006/relationships" xmlns:p="http://schemas.openxmlformats.org/presentationml/2006/main">
+  <p:cSld>
+    <p:spTree>
+      <p:nvGrpSpPr>
+        <p:cNvPr id="1" name=""/>
+        <p:cNvGrpSpPr/>
+        <p:nvPr/>
+      </p:nvGrpSpPr>
+      <p:grpSpPr>
+        <a:xfrm>
+          <a:off x="0" y="0"/>
+          <a:ext cx="0" cy="0"/>
+          <a:chOff x="0" y="0"/>
+          <a:chExt cx="0" cy="0"/>
+        </a:xfrm>
+      </p:grpSpPr>
+      <p:sp>
+        <p:nvSpPr>
+          <p:cNvPr id="2" name="Title 1"/>
+          <p:cNvSpPr>
+            <a:spLocks noGrp="1"/>
+          </p:cNvSpPr>
+          <p:nvPr>
+            <p:ph type="title"/>
+          </p:nvPr>
+        </p:nvSpPr>
+        <p:spPr/>
+        <p:txBody>
+          <a:bodyPr/>
+          <a:lstStyle/>
+          <a:p>
+            <a:r>
+              <a:rPr lang="en-US" dirty="0" smtClean="0"/>
+              <a:t>Plain text</a:t>
+            </a:r>
+            <a:endParaRPr lang="en-US" dirty="0"/>
+          </a:p>
+        </p:txBody>
+      </p:sp>
+      <p:sp>
+        <p:nvSpPr>
+          <p:cNvPr id="4" name="Content Placeholder 3"/>
+          <p:cNvSpPr>
+            <a:spLocks noGrp="1"/>
+          </p:cNvSpPr>
+          <p:nvPr>
+            <p:ph sz="half" idx="1"/>
+          </p:nvPr>
+        </p:nvSpPr>
+        <p:spPr/>
+        <p:txBody>
+          <a:bodyPr>
+            <a:normAutofit fontScale="92500" lnSpcReduction="20000"/>
+          </a:bodyPr>
+          <a:lstStyle/>
+          <a:p>
+            <a:pPr>
+              <a:buNone/>
+            </a:pPr>
+            <a:r>
+              <a:rPr lang="en-US" dirty="0" smtClean="0"/>
+              <a:t>PED file (describes individuals):</a:t>
+            </a:r>
+          </a:p>
+          <a:p>
+            <a:r>
+              <a:rPr lang="en-US" dirty="0" smtClean="0"/>
+              <a:t>First 6 columns:</a:t>
+            </a:r>
+          </a:p>
+          <a:p>
+            <a:pPr lvl="1"/>
+            <a:r>
+              <a:rPr lang="en-US" dirty="0" smtClean="0"/>
+              <a:t>Family ID</a:t>
+            </a:r>
+          </a:p>
+          <a:p>
+            <a:pPr lvl="1"/>
+            <a:r>
+              <a:rPr lang="en-US" dirty="0" smtClean="0"/>
+              <a:t>     Individual ID</a:t>
+            </a:r>
+          </a:p>
+          <a:p>
+            <a:pPr lvl="1"/>
+            <a:r>
+              <a:rPr lang="en-US" dirty="0" smtClean="0"/>
+              <a:t>     Paternal ID</a:t>
+            </a:r>
+          </a:p>
+          <a:p>
+            <a:pPr lvl="1"/>
+            <a:r>
+              <a:rPr lang="en-US" dirty="0" smtClean="0"/>
+              <a:t>     Maternal ID</a:t>
+            </a:r>
+          </a:p>
+          <a:p>
+            <a:pPr lvl="1"/>
+            <a:r>
+              <a:rPr lang="en-US" dirty="0" smtClean="0"/>
+              <a:t>     Sex (1=male; 2=female; other=unknown)</a:t>
+            </a:r>
+          </a:p>
+          <a:p>
+            <a:pPr lvl="1"/>
+            <a:r>
+              <a:rPr lang="en-US" dirty="0" smtClean="0"/>
+              <a:t>     Phenotype</a:t>
+            </a:r>
+          </a:p>
+          <a:p>
+            <a:r>
+              <a:rPr lang="en-US" dirty="0" smtClean="0"/>
+              <a:t>Columns 7 onward:</a:t>
+            </a:r>
+          </a:p>
+          <a:p>
+            <a:pPr lvl="1"/>
+            <a:r>
+              <a:rPr lang="en-US" dirty="0" smtClean="0"/>
+              <a:t>Genotypes</a:t>
+            </a:r>
+            <a:endParaRPr lang="en-US" dirty="0"/>
+          </a:p>
+        </p:txBody>
+      </p:sp>
+      <p:sp>
+        <p:nvSpPr>
+          <p:cNvPr id="5" name="Content Placeholder 4"/>
+          <p:cNvSpPr>
+            <a:spLocks noGrp="1"/>
+          </p:cNvSpPr>
+          <p:nvPr>
+            <p:ph sz="half" idx="2"/>
+          </p:nvPr>
+        </p:nvSpPr>
+        <p:spPr/>
+        <p:txBody>
+          <a:bodyPr>
+            <a:normAutofit fontScale="92500" lnSpcReduction="20000"/>
+          </a:bodyPr>
+          <a:lstStyle/>
+          <a:p>
+            <a:r>
+              <a:rPr lang="en-US" dirty="0" smtClean="0"/>
+              <a:t>MAP file (describes genetic markers):</a:t>
+            </a:r>
+          </a:p>
+          <a:p>
+            <a:pPr lvl="1"/>
+            <a:r>
+              <a:rPr lang="en-US" dirty="0" smtClean="0"/>
+              <a:t> chromosome (1-22, X, Y or 0 if unplaced)</a:t>
+            </a:r>
+          </a:p>
+          <a:p>
+            <a:pPr lvl="1"/>
+            <a:r>
+              <a:rPr lang="en-US" dirty="0" smtClean="0"/>
+              <a:t>     </a:t>
+            </a:r>
+            <a:r>
+              <a:rPr lang="en-US" dirty="0" err="1" smtClean="0"/>
+              <a:t>rs</a:t>
+            </a:r>
+            <a:r>
+              <a:rPr lang="en-US" dirty="0" smtClean="0"/>
+              <a:t># or </a:t>
+            </a:r>
+            <a:r>
+              <a:rPr lang="en-US" dirty="0" err="1" smtClean="0"/>
+              <a:t>snp</a:t>
+            </a:r>
+            <a:r>
+              <a:rPr lang="en-US" dirty="0" smtClean="0"/>
+              <a:t> identifier</a:t>
+            </a:r>
+          </a:p>
+          <a:p>
+            <a:pPr lvl="1"/>
+            <a:r>
+              <a:rPr lang="en-US" dirty="0" smtClean="0"/>
+              <a:t>     Genetic distance (</a:t>
+            </a:r>
+            <a:r>
+              <a:rPr lang="en-US" dirty="0" err="1" smtClean="0"/>
+              <a:t>morgans</a:t>
+            </a:r>
+            <a:r>
+              <a:rPr lang="en-US" dirty="0" smtClean="0"/>
+              <a:t>)</a:t>
+            </a:r>
+          </a:p>
+          <a:p>
+            <a:pPr lvl="1"/>
+            <a:r>
+              <a:rPr lang="en-US" dirty="0" smtClean="0"/>
+              <a:t>     Base-pair position (</a:t>
+            </a:r>
+            <a:r>
+              <a:rPr lang="en-US" dirty="0" err="1" smtClean="0"/>
+              <a:t>bp</a:t>
+            </a:r>
+            <a:r>
+              <a:rPr lang="en-US" dirty="0" smtClean="0"/>
+              <a:t> units)</a:t>
+            </a:r>
+            <a:endParaRPr lang="en-US" dirty="0"/>
+          </a:p>
+        </p:txBody>
+      </p:sp>
+    </p:spTree>
+  </p:cSld>
+  <p:clrMapOvr>
+    <a:masterClrMapping/>
+  </p:clrMapOvr>
+  <p:transition/>
+  <p:timing>
+    <p:tnLst>
+      <p:par>
+        <p:cTn id="1" dur="indefinite" restart="never" nodeType="tmRoot"/>
+      </p:par>
+    </p:tnLst>
+  </p:timing>
+</p:sld>
+</file>
+
+<file path=ppt/slides/slide4.xml><?xml version="1.0" encoding="utf-8"?>
 <p:sld xmlns:a="http://schemas.openxmlformats.org/drawingml/2006/main" xmlns:r="http://schemas.openxmlformats.org/officeDocument/2006/relationships" xmlns:p="http://schemas.openxmlformats.org/presentationml/2006/main">
   <p:cSld>
     <p:spTree>
@@ -6906,1080 +8102,7 @@
 </p:sld>
 </file>
 
-<file path=ppt/slides/slide30.xml><?xml version="1.0" encoding="utf-8"?>
-<p:sld xmlns:a="http://schemas.openxmlformats.org/drawingml/2006/main" xmlns:r="http://schemas.openxmlformats.org/officeDocument/2006/relationships" xmlns:p="http://schemas.openxmlformats.org/presentationml/2006/main">
-  <p:cSld>
-    <p:spTree>
-      <p:nvGrpSpPr>
-        <p:cNvPr id="1" name=""/>
-        <p:cNvGrpSpPr/>
-        <p:nvPr/>
-      </p:nvGrpSpPr>
-      <p:grpSpPr>
-        <a:xfrm>
-          <a:off x="0" y="0"/>
-          <a:ext cx="0" cy="0"/>
-          <a:chOff x="0" y="0"/>
-          <a:chExt cx="0" cy="0"/>
-        </a:xfrm>
-      </p:grpSpPr>
-      <p:sp>
-        <p:nvSpPr>
-          <p:cNvPr id="2" name="Title 1"/>
-          <p:cNvSpPr>
-            <a:spLocks noGrp="1"/>
-          </p:cNvSpPr>
-          <p:nvPr>
-            <p:ph type="title"/>
-          </p:nvPr>
-        </p:nvSpPr>
-        <p:spPr/>
-        <p:txBody>
-          <a:bodyPr/>
-          <a:lstStyle/>
-          <a:p>
-            <a:r>
-              <a:rPr lang="en-US" dirty="0" smtClean="0"/>
-              <a:t>Allele Frequencies</a:t>
-            </a:r>
-            <a:endParaRPr lang="en-US" dirty="0"/>
-          </a:p>
-        </p:txBody>
-      </p:sp>
-      <p:sp>
-        <p:nvSpPr>
-          <p:cNvPr id="3" name="Content Placeholder 2"/>
-          <p:cNvSpPr>
-            <a:spLocks noGrp="1"/>
-          </p:cNvSpPr>
-          <p:nvPr>
-            <p:ph idx="1"/>
-          </p:nvPr>
-        </p:nvSpPr>
-        <p:spPr/>
-        <p:txBody>
-          <a:bodyPr>
-            <a:normAutofit/>
-          </a:bodyPr>
-          <a:lstStyle/>
-          <a:p>
-            <a:r>
-              <a:rPr lang="en-US" dirty="0" smtClean="0"/>
-              <a:t>SNPs are, by definition, common variants</a:t>
-            </a:r>
-          </a:p>
-          <a:p>
-            <a:r>
-              <a:rPr lang="en-US" dirty="0" smtClean="0"/>
-              <a:t>Rare variants are hard to study in the general population.</a:t>
-            </a:r>
-          </a:p>
-          <a:p>
-            <a:endParaRPr lang="en-US" dirty="0" smtClean="0"/>
-          </a:p>
-          <a:p>
-            <a:r>
-              <a:rPr lang="en-US" dirty="0" smtClean="0"/>
-              <a:t>We will exclude SNPs whose minor allele doesn’t occur at least 1% or 5% of the time.</a:t>
-            </a:r>
-          </a:p>
-          <a:p>
-            <a:endParaRPr lang="en-US" dirty="0" smtClean="0"/>
-          </a:p>
-        </p:txBody>
-      </p:sp>
-    </p:spTree>
-  </p:cSld>
-  <p:clrMapOvr>
-    <a:masterClrMapping/>
-  </p:clrMapOvr>
-  <p:transition/>
-  <p:timing>
-    <p:tnLst>
-      <p:par>
-        <p:cTn id="1" dur="indefinite" restart="never" nodeType="tmRoot"/>
-      </p:par>
-    </p:tnLst>
-  </p:timing>
-</p:sld>
-</file>
-
-<file path=ppt/slides/slide31.xml><?xml version="1.0" encoding="utf-8"?>
-<p:sld xmlns:a="http://schemas.openxmlformats.org/drawingml/2006/main" xmlns:r="http://schemas.openxmlformats.org/officeDocument/2006/relationships" xmlns:p="http://schemas.openxmlformats.org/presentationml/2006/main">
-  <p:cSld>
-    <p:spTree>
-      <p:nvGrpSpPr>
-        <p:cNvPr id="1" name=""/>
-        <p:cNvGrpSpPr/>
-        <p:nvPr/>
-      </p:nvGrpSpPr>
-      <p:grpSpPr>
-        <a:xfrm>
-          <a:off x="0" y="0"/>
-          <a:ext cx="0" cy="0"/>
-          <a:chOff x="0" y="0"/>
-          <a:chExt cx="0" cy="0"/>
-        </a:xfrm>
-      </p:grpSpPr>
-      <p:sp>
-        <p:nvSpPr>
-          <p:cNvPr id="2" name="Title 1"/>
-          <p:cNvSpPr>
-            <a:spLocks noGrp="1"/>
-          </p:cNvSpPr>
-          <p:nvPr>
-            <p:ph type="title"/>
-          </p:nvPr>
-        </p:nvSpPr>
-        <p:spPr/>
-        <p:txBody>
-          <a:bodyPr>
-            <a:noAutofit/>
-          </a:bodyPr>
-          <a:lstStyle/>
-          <a:p>
-            <a:r>
-              <a:rPr lang="en-US" sz="2800" dirty="0" smtClean="0"/>
-              <a:t>NOTE: Allele frequencies are not constant across human populations (“population stratification”)</a:t>
-            </a:r>
-            <a:br>
-              <a:rPr lang="en-US" sz="2800" dirty="0" smtClean="0"/>
-            </a:br>
-            <a:endParaRPr lang="en-US" sz="2800" dirty="0"/>
-          </a:p>
-        </p:txBody>
-      </p:sp>
-      <p:pic>
-        <p:nvPicPr>
-          <p:cNvPr id="4098" name="Picture 2"/>
-          <p:cNvPicPr>
-            <a:picLocks noChangeAspect="1" noChangeArrowheads="1"/>
-          </p:cNvPicPr>
-          <p:nvPr/>
-        </p:nvPicPr>
-        <p:blipFill>
-          <a:blip r:embed="rId2" cstate="print"/>
-          <a:srcRect/>
-          <a:stretch>
-            <a:fillRect/>
-          </a:stretch>
-        </p:blipFill>
-        <p:spPr bwMode="auto">
-          <a:xfrm>
-            <a:off x="457200" y="1752600"/>
-            <a:ext cx="6557963" cy="4429286"/>
-          </a:xfrm>
-          <a:prstGeom prst="rect">
-            <a:avLst/>
-          </a:prstGeom>
-          <a:noFill/>
-          <a:ln w="9525">
-            <a:noFill/>
-            <a:miter lim="800000"/>
-            <a:headEnd/>
-            <a:tailEnd/>
-          </a:ln>
-        </p:spPr>
-      </p:pic>
-    </p:spTree>
-  </p:cSld>
-  <p:clrMapOvr>
-    <a:masterClrMapping/>
-  </p:clrMapOvr>
-  <p:transition/>
-  <p:timing>
-    <p:tnLst>
-      <p:par>
-        <p:cTn id="1" dur="indefinite" restart="never" nodeType="tmRoot"/>
-      </p:par>
-    </p:tnLst>
-  </p:timing>
-</p:sld>
-</file>
-
-<file path=ppt/slides/slide32.xml><?xml version="1.0" encoding="utf-8"?>
-<p:sld xmlns:a="http://schemas.openxmlformats.org/drawingml/2006/main" xmlns:r="http://schemas.openxmlformats.org/officeDocument/2006/relationships" xmlns:p="http://schemas.openxmlformats.org/presentationml/2006/main">
-  <p:cSld>
-    <p:spTree>
-      <p:nvGrpSpPr>
-        <p:cNvPr id="1" name=""/>
-        <p:cNvGrpSpPr/>
-        <p:nvPr/>
-      </p:nvGrpSpPr>
-      <p:grpSpPr>
-        <a:xfrm>
-          <a:off x="0" y="0"/>
-          <a:ext cx="0" cy="0"/>
-          <a:chOff x="0" y="0"/>
-          <a:chExt cx="0" cy="0"/>
-        </a:xfrm>
-      </p:grpSpPr>
-      <p:sp>
-        <p:nvSpPr>
-          <p:cNvPr id="2" name="Title 1"/>
-          <p:cNvSpPr>
-            <a:spLocks noGrp="1"/>
-          </p:cNvSpPr>
-          <p:nvPr>
-            <p:ph type="title"/>
-          </p:nvPr>
-        </p:nvSpPr>
-        <p:spPr/>
-        <p:txBody>
-          <a:bodyPr/>
-          <a:lstStyle/>
-          <a:p>
-            <a:r>
-              <a:rPr lang="en-US" dirty="0" smtClean="0"/>
-              <a:t>Hardy-Weinberg Equilibrium (HWE)</a:t>
-            </a:r>
-            <a:endParaRPr lang="en-US" dirty="0"/>
-          </a:p>
-        </p:txBody>
-      </p:sp>
-      <p:sp>
-        <p:nvSpPr>
-          <p:cNvPr id="3" name="Content Placeholder 2"/>
-          <p:cNvSpPr>
-            <a:spLocks noGrp="1"/>
-          </p:cNvSpPr>
-          <p:nvPr>
-            <p:ph idx="1"/>
-          </p:nvPr>
-        </p:nvSpPr>
-        <p:spPr/>
-        <p:txBody>
-          <a:bodyPr>
-            <a:normAutofit fontScale="77500" lnSpcReduction="20000"/>
-          </a:bodyPr>
-          <a:lstStyle/>
-          <a:p>
-            <a:r>
-              <a:rPr lang="en-US" dirty="0" smtClean="0"/>
-              <a:t>Recall that we have 2 alleles at each SNP. We get one from mom and one from dad. </a:t>
-            </a:r>
-          </a:p>
-          <a:p>
-            <a:r>
-              <a:rPr lang="en-US" dirty="0" smtClean="0"/>
-              <a:t>Suppose allele A has probability p and allele B has probability q (</a:t>
-            </a:r>
-            <a:r>
-              <a:rPr lang="en-US" dirty="0" err="1" smtClean="0"/>
-              <a:t>q+p</a:t>
-            </a:r>
-            <a:r>
-              <a:rPr lang="en-US" dirty="0" smtClean="0"/>
-              <a:t>=1).</a:t>
-            </a:r>
-          </a:p>
-          <a:p>
-            <a:r>
-              <a:rPr lang="en-US" dirty="0" smtClean="0"/>
-              <a:t>What distribution of genotypes (AA, AB, BB) do you expect to see?</a:t>
-            </a:r>
-          </a:p>
-          <a:p>
-            <a:pPr lvl="1"/>
-            <a:r>
-              <a:rPr lang="en-US" dirty="0" smtClean="0"/>
-              <a:t>Pr(AA)=p^2</a:t>
-            </a:r>
-          </a:p>
-          <a:p>
-            <a:pPr lvl="1"/>
-            <a:r>
-              <a:rPr lang="en-US" dirty="0" smtClean="0"/>
-              <a:t>Pr(AB)=</a:t>
-            </a:r>
-            <a:r>
-              <a:rPr lang="en-US" dirty="0" err="1" smtClean="0"/>
-              <a:t>pq</a:t>
-            </a:r>
-            <a:endParaRPr lang="en-US" dirty="0" smtClean="0"/>
-          </a:p>
-          <a:p>
-            <a:pPr lvl="1"/>
-            <a:r>
-              <a:rPr lang="en-US" dirty="0" smtClean="0"/>
-              <a:t>Pr(BB)=q^2</a:t>
-            </a:r>
-          </a:p>
-          <a:p>
-            <a:r>
-              <a:rPr lang="en-US" dirty="0" smtClean="0"/>
-              <a:t>Deviations can be a sign of genotyping error.</a:t>
-            </a:r>
-          </a:p>
-          <a:p>
-            <a:r>
-              <a:rPr lang="en-US" dirty="0" smtClean="0"/>
-              <a:t>Key assumptions: random mating (maternal and paternal genotypes are independent); p &amp; q are constant across sample (you don’t have admixed sample).</a:t>
-            </a:r>
-            <a:endParaRPr lang="en-US" dirty="0"/>
-          </a:p>
-        </p:txBody>
-      </p:sp>
-    </p:spTree>
-  </p:cSld>
-  <p:clrMapOvr>
-    <a:masterClrMapping/>
-  </p:clrMapOvr>
-  <p:transition/>
-  <p:timing>
-    <p:tnLst>
-      <p:par>
-        <p:cTn id="1" dur="indefinite" restart="never" nodeType="tmRoot"/>
-      </p:par>
-    </p:tnLst>
-  </p:timing>
-</p:sld>
-</file>
-
-<file path=ppt/slides/slide33.xml><?xml version="1.0" encoding="utf-8"?>
-<p:sld xmlns:a="http://schemas.openxmlformats.org/drawingml/2006/main" xmlns:r="http://schemas.openxmlformats.org/officeDocument/2006/relationships" xmlns:p="http://schemas.openxmlformats.org/presentationml/2006/main">
-  <p:cSld>
-    <p:spTree>
-      <p:nvGrpSpPr>
-        <p:cNvPr id="1" name=""/>
-        <p:cNvGrpSpPr/>
-        <p:nvPr/>
-      </p:nvGrpSpPr>
-      <p:grpSpPr>
-        <a:xfrm>
-          <a:off x="0" y="0"/>
-          <a:ext cx="0" cy="0"/>
-          <a:chOff x="0" y="0"/>
-          <a:chExt cx="0" cy="0"/>
-        </a:xfrm>
-      </p:grpSpPr>
-      <p:pic>
-        <p:nvPicPr>
-          <p:cNvPr id="3074" name="Picture 2"/>
-          <p:cNvPicPr>
-            <a:picLocks noChangeAspect="1" noChangeArrowheads="1"/>
-          </p:cNvPicPr>
-          <p:nvPr/>
-        </p:nvPicPr>
-        <p:blipFill>
-          <a:blip r:embed="rId2" cstate="print"/>
-          <a:srcRect/>
-          <a:stretch>
-            <a:fillRect/>
-          </a:stretch>
-        </p:blipFill>
-        <p:spPr bwMode="auto">
-          <a:xfrm>
-            <a:off x="923925" y="1114425"/>
-            <a:ext cx="7296150" cy="4629150"/>
-          </a:xfrm>
-          <a:prstGeom prst="rect">
-            <a:avLst/>
-          </a:prstGeom>
-          <a:noFill/>
-          <a:ln w="9525">
-            <a:noFill/>
-            <a:miter lim="800000"/>
-            <a:headEnd/>
-            <a:tailEnd/>
-          </a:ln>
-        </p:spPr>
-      </p:pic>
-    </p:spTree>
-  </p:cSld>
-  <p:clrMapOvr>
-    <a:masterClrMapping/>
-  </p:clrMapOvr>
-  <p:transition/>
-  <p:timing>
-    <p:tnLst>
-      <p:par>
-        <p:cTn id="1" dur="indefinite" restart="never" nodeType="tmRoot"/>
-      </p:par>
-    </p:tnLst>
-  </p:timing>
-</p:sld>
-</file>
-
-<file path=ppt/slides/slide34.xml><?xml version="1.0" encoding="utf-8"?>
-<p:sld xmlns:a="http://schemas.openxmlformats.org/drawingml/2006/main" xmlns:r="http://schemas.openxmlformats.org/officeDocument/2006/relationships" xmlns:p="http://schemas.openxmlformats.org/presentationml/2006/main">
-  <p:cSld>
-    <p:spTree>
-      <p:nvGrpSpPr>
-        <p:cNvPr id="1" name=""/>
-        <p:cNvGrpSpPr/>
-        <p:nvPr/>
-      </p:nvGrpSpPr>
-      <p:grpSpPr>
-        <a:xfrm>
-          <a:off x="0" y="0"/>
-          <a:ext cx="0" cy="0"/>
-          <a:chOff x="0" y="0"/>
-          <a:chExt cx="0" cy="0"/>
-        </a:xfrm>
-      </p:grpSpPr>
-      <p:sp>
-        <p:nvSpPr>
-          <p:cNvPr id="2" name="Title 1"/>
-          <p:cNvSpPr>
-            <a:spLocks noGrp="1"/>
-          </p:cNvSpPr>
-          <p:nvPr>
-            <p:ph type="title"/>
-          </p:nvPr>
-        </p:nvSpPr>
-        <p:spPr/>
-        <p:txBody>
-          <a:bodyPr/>
-          <a:lstStyle/>
-          <a:p>
-            <a:endParaRPr lang="en-US"/>
-          </a:p>
-        </p:txBody>
-      </p:sp>
-      <p:sp>
-        <p:nvSpPr>
-          <p:cNvPr id="3" name="Content Placeholder 2"/>
-          <p:cNvSpPr>
-            <a:spLocks noGrp="1"/>
-          </p:cNvSpPr>
-          <p:nvPr>
-            <p:ph idx="1"/>
-          </p:nvPr>
-        </p:nvSpPr>
-        <p:spPr/>
-        <p:txBody>
-          <a:bodyPr/>
-          <a:lstStyle/>
-          <a:p>
-            <a:r>
-              <a:rPr lang="en-US" dirty="0" smtClean="0"/>
-              <a:t>Warning: Working across </a:t>
-            </a:r>
-            <a:r>
-              <a:rPr lang="en-US" dirty="0" err="1" smtClean="0"/>
-              <a:t>mutiple</a:t>
-            </a:r>
-            <a:r>
-              <a:rPr lang="en-US" dirty="0" smtClean="0"/>
-              <a:t> populations is HARD. </a:t>
-            </a:r>
-          </a:p>
-          <a:p>
-            <a:r>
-              <a:rPr lang="en-US" dirty="0" smtClean="0"/>
-              <a:t>I want to reiterate this.</a:t>
-            </a:r>
-          </a:p>
-          <a:p>
-            <a:r>
-              <a:rPr lang="en-US" dirty="0" smtClean="0"/>
-              <a:t>It will be the basis for tomorrow’s talk.</a:t>
-            </a:r>
-            <a:endParaRPr lang="en-US" dirty="0"/>
-          </a:p>
-        </p:txBody>
-      </p:sp>
-    </p:spTree>
-  </p:cSld>
-  <p:clrMapOvr>
-    <a:masterClrMapping/>
-  </p:clrMapOvr>
-  <p:transition/>
-  <p:timing>
-    <p:tnLst>
-      <p:par>
-        <p:cTn id="1" dur="indefinite" restart="never" nodeType="tmRoot"/>
-      </p:par>
-    </p:tnLst>
-  </p:timing>
-</p:sld>
-</file>
-
-<file path=ppt/slides/slide35.xml><?xml version="1.0" encoding="utf-8"?>
-<p:sld xmlns:a="http://schemas.openxmlformats.org/drawingml/2006/main" xmlns:r="http://schemas.openxmlformats.org/officeDocument/2006/relationships" xmlns:p="http://schemas.openxmlformats.org/presentationml/2006/main">
-  <p:cSld>
-    <p:spTree>
-      <p:nvGrpSpPr>
-        <p:cNvPr id="1" name=""/>
-        <p:cNvGrpSpPr/>
-        <p:nvPr/>
-      </p:nvGrpSpPr>
-      <p:grpSpPr>
-        <a:xfrm>
-          <a:off x="0" y="0"/>
-          <a:ext cx="0" cy="0"/>
-          <a:chOff x="0" y="0"/>
-          <a:chExt cx="0" cy="0"/>
-        </a:xfrm>
-      </p:grpSpPr>
-      <p:sp>
-        <p:nvSpPr>
-          <p:cNvPr id="2" name="Title 1"/>
-          <p:cNvSpPr>
-            <a:spLocks noGrp="1"/>
-          </p:cNvSpPr>
-          <p:nvPr>
-            <p:ph type="title"/>
-          </p:nvPr>
-        </p:nvSpPr>
-        <p:spPr/>
-        <p:txBody>
-          <a:bodyPr/>
-          <a:lstStyle/>
-          <a:p>
-            <a:r>
-              <a:rPr lang="en-US" dirty="0" smtClean="0"/>
-              <a:t>Linkage: A Key concept</a:t>
-            </a:r>
-            <a:endParaRPr lang="en-US" dirty="0"/>
-          </a:p>
-        </p:txBody>
-      </p:sp>
-      <p:sp>
-        <p:nvSpPr>
-          <p:cNvPr id="3" name="Content Placeholder 2"/>
-          <p:cNvSpPr>
-            <a:spLocks noGrp="1"/>
-          </p:cNvSpPr>
-          <p:nvPr>
-            <p:ph idx="1"/>
-          </p:nvPr>
-        </p:nvSpPr>
-        <p:spPr>
-          <a:xfrm>
-            <a:off x="457200" y="1600200"/>
-            <a:ext cx="3352800" cy="4525963"/>
-          </a:xfrm>
-        </p:spPr>
-        <p:txBody>
-          <a:bodyPr>
-            <a:normAutofit fontScale="92500" lnSpcReduction="10000"/>
-          </a:bodyPr>
-          <a:lstStyle/>
-          <a:p>
-            <a:r>
-              <a:rPr lang="en-US" dirty="0" smtClean="0"/>
-              <a:t>Linkage refers to the fact that “chunks” of chromosomes get inherited together.</a:t>
-            </a:r>
-          </a:p>
-          <a:p>
-            <a:r>
-              <a:rPr lang="en-US" dirty="0" smtClean="0"/>
-              <a:t>Consequence: SNPs are correlated with those nearby.</a:t>
-            </a:r>
-            <a:endParaRPr lang="en-US" dirty="0"/>
-          </a:p>
-        </p:txBody>
-      </p:sp>
-      <p:pic>
-        <p:nvPicPr>
-          <p:cNvPr id="4" name="Picture 3" descr="Meiosis_Overview.png"/>
-          <p:cNvPicPr>
-            <a:picLocks noChangeAspect="1"/>
-          </p:cNvPicPr>
-          <p:nvPr/>
-        </p:nvPicPr>
-        <p:blipFill>
-          <a:blip r:embed="rId2" cstate="print"/>
-          <a:stretch>
-            <a:fillRect/>
-          </a:stretch>
-        </p:blipFill>
-        <p:spPr>
-          <a:xfrm>
-            <a:off x="4777661" y="1981200"/>
-            <a:ext cx="4366339" cy="2743200"/>
-          </a:xfrm>
-          <a:prstGeom prst="rect">
-            <a:avLst/>
-          </a:prstGeom>
-        </p:spPr>
-      </p:pic>
-    </p:spTree>
-  </p:cSld>
-  <p:clrMapOvr>
-    <a:masterClrMapping/>
-  </p:clrMapOvr>
-  <p:transition/>
-  <p:timing>
-    <p:tnLst>
-      <p:par>
-        <p:cTn id="1" dur="indefinite" restart="never" nodeType="tmRoot"/>
-      </p:par>
-    </p:tnLst>
-  </p:timing>
-</p:sld>
-</file>
-
-<file path=ppt/slides/slide36.xml><?xml version="1.0" encoding="utf-8"?>
-<p:sld xmlns:a="http://schemas.openxmlformats.org/drawingml/2006/main" xmlns:r="http://schemas.openxmlformats.org/officeDocument/2006/relationships" xmlns:p="http://schemas.openxmlformats.org/presentationml/2006/main">
-  <p:cSld>
-    <p:spTree>
-      <p:nvGrpSpPr>
-        <p:cNvPr id="1" name=""/>
-        <p:cNvGrpSpPr/>
-        <p:nvPr/>
-      </p:nvGrpSpPr>
-      <p:grpSpPr>
-        <a:xfrm>
-          <a:off x="0" y="0"/>
-          <a:ext cx="0" cy="0"/>
-          <a:chOff x="0" y="0"/>
-          <a:chExt cx="0" cy="0"/>
-        </a:xfrm>
-      </p:grpSpPr>
-      <p:sp>
-        <p:nvSpPr>
-          <p:cNvPr id="2" name="Title 1"/>
-          <p:cNvSpPr>
-            <a:spLocks noGrp="1"/>
-          </p:cNvSpPr>
-          <p:nvPr>
-            <p:ph type="title"/>
-          </p:nvPr>
-        </p:nvSpPr>
-        <p:spPr/>
-        <p:txBody>
-          <a:bodyPr/>
-          <a:lstStyle/>
-          <a:p>
-            <a:r>
-              <a:rPr lang="en-US" dirty="0" smtClean="0"/>
-              <a:t>Linkage map</a:t>
-            </a:r>
-            <a:endParaRPr lang="en-US" dirty="0"/>
-          </a:p>
-        </p:txBody>
-      </p:sp>
-      <p:pic>
-        <p:nvPicPr>
-          <p:cNvPr id="4" name="Picture 3" descr="linkage.jpeg"/>
-          <p:cNvPicPr>
-            <a:picLocks noChangeAspect="1"/>
-          </p:cNvPicPr>
-          <p:nvPr/>
-        </p:nvPicPr>
-        <p:blipFill>
-          <a:blip r:embed="rId2" cstate="print"/>
-          <a:stretch>
-            <a:fillRect/>
-          </a:stretch>
-        </p:blipFill>
-        <p:spPr>
-          <a:xfrm>
-            <a:off x="381000" y="1219200"/>
-            <a:ext cx="7416800" cy="4171950"/>
-          </a:xfrm>
-          <a:prstGeom prst="rect">
-            <a:avLst/>
-          </a:prstGeom>
-        </p:spPr>
-      </p:pic>
-      <p:sp>
-        <p:nvSpPr>
-          <p:cNvPr id="5" name="TextBox 4"/>
-          <p:cNvSpPr txBox="1"/>
-          <p:nvPr/>
-        </p:nvSpPr>
-        <p:spPr>
-          <a:xfrm>
-            <a:off x="685800" y="5486400"/>
-            <a:ext cx="7848600" cy="1200329"/>
-          </a:xfrm>
-          <a:prstGeom prst="rect">
-            <a:avLst/>
-          </a:prstGeom>
-          <a:noFill/>
-        </p:spPr>
-        <p:txBody>
-          <a:bodyPr wrap="square" rtlCol="0">
-            <a:spAutoFit/>
-          </a:bodyPr>
-          <a:lstStyle/>
-          <a:p>
-            <a:pPr>
-              <a:buFont typeface="Arial" pitchFamily="34" charset="0"/>
-              <a:buChar char="•"/>
-            </a:pPr>
-            <a:r>
-              <a:rPr lang="en-US" dirty="0" smtClean="0"/>
-              <a:t>Tag SNPs</a:t>
-            </a:r>
-          </a:p>
-          <a:p>
-            <a:pPr>
-              <a:buFont typeface="Arial" pitchFamily="34" charset="0"/>
-              <a:buChar char="•"/>
-            </a:pPr>
-            <a:r>
-              <a:rPr lang="en-US" dirty="0" smtClean="0"/>
-              <a:t>Linkage patterns vary across population. </a:t>
-            </a:r>
-          </a:p>
-          <a:p>
-            <a:pPr>
-              <a:buFont typeface="Arial" pitchFamily="34" charset="0"/>
-              <a:buChar char="•"/>
-            </a:pPr>
-            <a:r>
-              <a:rPr lang="en-US" dirty="0" smtClean="0"/>
-              <a:t>Tag SNP in one group may not tag same gene in different population.</a:t>
-            </a:r>
-          </a:p>
-          <a:p>
-            <a:pPr>
-              <a:buFont typeface="Arial" pitchFamily="34" charset="0"/>
-              <a:buChar char="•"/>
-            </a:pPr>
-            <a:endParaRPr lang="en-US" dirty="0"/>
-          </a:p>
-        </p:txBody>
-      </p:sp>
-    </p:spTree>
-  </p:cSld>
-  <p:clrMapOvr>
-    <a:masterClrMapping/>
-  </p:clrMapOvr>
-  <p:transition/>
-  <p:timing>
-    <p:tnLst>
-      <p:par>
-        <p:cTn id="1" dur="indefinite" restart="never" nodeType="tmRoot"/>
-      </p:par>
-    </p:tnLst>
-  </p:timing>
-</p:sld>
-</file>
-
-<file path=ppt/slides/slide37.xml><?xml version="1.0" encoding="utf-8"?>
-<p:sld xmlns:a="http://schemas.openxmlformats.org/drawingml/2006/main" xmlns:r="http://schemas.openxmlformats.org/officeDocument/2006/relationships" xmlns:p="http://schemas.openxmlformats.org/presentationml/2006/main">
-  <p:cSld>
-    <p:spTree>
-      <p:nvGrpSpPr>
-        <p:cNvPr id="1" name=""/>
-        <p:cNvGrpSpPr/>
-        <p:nvPr/>
-      </p:nvGrpSpPr>
-      <p:grpSpPr>
-        <a:xfrm>
-          <a:off x="0" y="0"/>
-          <a:ext cx="0" cy="0"/>
-          <a:chOff x="0" y="0"/>
-          <a:chExt cx="0" cy="0"/>
-        </a:xfrm>
-      </p:grpSpPr>
-      <p:sp>
-        <p:nvSpPr>
-          <p:cNvPr id="2" name="Title 1"/>
-          <p:cNvSpPr>
-            <a:spLocks noGrp="1"/>
-          </p:cNvSpPr>
-          <p:nvPr>
-            <p:ph type="title"/>
-          </p:nvPr>
-        </p:nvSpPr>
-        <p:spPr/>
-        <p:txBody>
-          <a:bodyPr/>
-          <a:lstStyle/>
-          <a:p>
-            <a:r>
-              <a:rPr lang="en-US" dirty="0" smtClean="0"/>
-              <a:t>plink</a:t>
-            </a:r>
-            <a:endParaRPr lang="en-US" dirty="0"/>
-          </a:p>
-        </p:txBody>
-      </p:sp>
-      <p:sp>
-        <p:nvSpPr>
-          <p:cNvPr id="3" name="Content Placeholder 2"/>
-          <p:cNvSpPr>
-            <a:spLocks noGrp="1"/>
-          </p:cNvSpPr>
-          <p:nvPr>
-            <p:ph idx="1"/>
-          </p:nvPr>
-        </p:nvSpPr>
-        <p:spPr/>
-        <p:txBody>
-          <a:bodyPr/>
-          <a:lstStyle/>
-          <a:p>
-            <a:r>
-              <a:rPr lang="en-US" dirty="0" smtClean="0"/>
-              <a:t>plink is the standard tool for processing genome-wide (and now sequence) data. </a:t>
-            </a:r>
-          </a:p>
-          <a:p>
-            <a:pPr lvl="1"/>
-            <a:r>
-              <a:rPr lang="en-US" dirty="0" smtClean="0"/>
-              <a:t>Very good documentation: http://pngu.mgh.harvard.edu/~purcell/plink/</a:t>
-            </a:r>
-          </a:p>
-          <a:p>
-            <a:r>
-              <a:rPr lang="en-US" dirty="0" smtClean="0"/>
-              <a:t>We are going to use it a lot this week. Most of the instruction will come in the lab portion, but let me first walk through the plink file formats.</a:t>
-            </a:r>
-            <a:endParaRPr lang="en-US" dirty="0"/>
-          </a:p>
-        </p:txBody>
-      </p:sp>
-    </p:spTree>
-    <p:extLst>
-      <p:ext uri="{BB962C8B-B14F-4D97-AF65-F5344CB8AC3E}">
-        <p14:creationId xmlns:p14="http://schemas.microsoft.com/office/powerpoint/2010/main" val="2882406419"/>
-      </p:ext>
-    </p:extLst>
-  </p:cSld>
-  <p:clrMapOvr>
-    <a:masterClrMapping/>
-  </p:clrMapOvr>
-  <p:transition/>
-  <p:timing>
-    <p:tnLst>
-      <p:par>
-        <p:cTn id="1" dur="indefinite" restart="never" nodeType="tmRoot"/>
-      </p:par>
-    </p:tnLst>
-  </p:timing>
-</p:sld>
-</file>
-
-<file path=ppt/slides/slide38.xml><?xml version="1.0" encoding="utf-8"?>
-<p:sld xmlns:a="http://schemas.openxmlformats.org/drawingml/2006/main" xmlns:r="http://schemas.openxmlformats.org/officeDocument/2006/relationships" xmlns:p="http://schemas.openxmlformats.org/presentationml/2006/main">
-  <p:cSld>
-    <p:spTree>
-      <p:nvGrpSpPr>
-        <p:cNvPr id="1" name=""/>
-        <p:cNvGrpSpPr/>
-        <p:nvPr/>
-      </p:nvGrpSpPr>
-      <p:grpSpPr>
-        <a:xfrm>
-          <a:off x="0" y="0"/>
-          <a:ext cx="0" cy="0"/>
-          <a:chOff x="0" y="0"/>
-          <a:chExt cx="0" cy="0"/>
-        </a:xfrm>
-      </p:grpSpPr>
-      <p:sp>
-        <p:nvSpPr>
-          <p:cNvPr id="2" name="Title 1"/>
-          <p:cNvSpPr>
-            <a:spLocks noGrp="1"/>
-          </p:cNvSpPr>
-          <p:nvPr>
-            <p:ph type="title"/>
-          </p:nvPr>
-        </p:nvSpPr>
-        <p:spPr/>
-        <p:txBody>
-          <a:bodyPr/>
-          <a:lstStyle/>
-          <a:p>
-            <a:r>
-              <a:rPr lang="en-US" dirty="0" smtClean="0"/>
-              <a:t>Plain text</a:t>
-            </a:r>
-            <a:endParaRPr lang="en-US" dirty="0"/>
-          </a:p>
-        </p:txBody>
-      </p:sp>
-      <p:sp>
-        <p:nvSpPr>
-          <p:cNvPr id="4" name="Content Placeholder 3"/>
-          <p:cNvSpPr>
-            <a:spLocks noGrp="1"/>
-          </p:cNvSpPr>
-          <p:nvPr>
-            <p:ph sz="half" idx="1"/>
-          </p:nvPr>
-        </p:nvSpPr>
-        <p:spPr/>
-        <p:txBody>
-          <a:bodyPr>
-            <a:normAutofit fontScale="92500" lnSpcReduction="20000"/>
-          </a:bodyPr>
-          <a:lstStyle/>
-          <a:p>
-            <a:pPr>
-              <a:buNone/>
-            </a:pPr>
-            <a:r>
-              <a:rPr lang="en-US" dirty="0" smtClean="0"/>
-              <a:t>PED file (describes individuals):</a:t>
-            </a:r>
-          </a:p>
-          <a:p>
-            <a:r>
-              <a:rPr lang="en-US" dirty="0" smtClean="0"/>
-              <a:t>First 6 columns:</a:t>
-            </a:r>
-          </a:p>
-          <a:p>
-            <a:pPr lvl="1"/>
-            <a:r>
-              <a:rPr lang="en-US" dirty="0" smtClean="0"/>
-              <a:t>Family ID</a:t>
-            </a:r>
-          </a:p>
-          <a:p>
-            <a:pPr lvl="1"/>
-            <a:r>
-              <a:rPr lang="en-US" dirty="0" smtClean="0"/>
-              <a:t>     Individual ID</a:t>
-            </a:r>
-          </a:p>
-          <a:p>
-            <a:pPr lvl="1"/>
-            <a:r>
-              <a:rPr lang="en-US" dirty="0" smtClean="0"/>
-              <a:t>     Paternal ID</a:t>
-            </a:r>
-          </a:p>
-          <a:p>
-            <a:pPr lvl="1"/>
-            <a:r>
-              <a:rPr lang="en-US" dirty="0" smtClean="0"/>
-              <a:t>     Maternal ID</a:t>
-            </a:r>
-          </a:p>
-          <a:p>
-            <a:pPr lvl="1"/>
-            <a:r>
-              <a:rPr lang="en-US" dirty="0" smtClean="0"/>
-              <a:t>     Sex (1=male; 2=female; other=unknown)</a:t>
-            </a:r>
-          </a:p>
-          <a:p>
-            <a:pPr lvl="1"/>
-            <a:r>
-              <a:rPr lang="en-US" dirty="0" smtClean="0"/>
-              <a:t>     Phenotype</a:t>
-            </a:r>
-          </a:p>
-          <a:p>
-            <a:r>
-              <a:rPr lang="en-US" dirty="0" smtClean="0"/>
-              <a:t>Columns 7 onward:</a:t>
-            </a:r>
-          </a:p>
-          <a:p>
-            <a:pPr lvl="1"/>
-            <a:r>
-              <a:rPr lang="en-US" dirty="0" smtClean="0"/>
-              <a:t>Genotypes</a:t>
-            </a:r>
-            <a:endParaRPr lang="en-US" dirty="0"/>
-          </a:p>
-        </p:txBody>
-      </p:sp>
-      <p:sp>
-        <p:nvSpPr>
-          <p:cNvPr id="5" name="Content Placeholder 4"/>
-          <p:cNvSpPr>
-            <a:spLocks noGrp="1"/>
-          </p:cNvSpPr>
-          <p:nvPr>
-            <p:ph sz="half" idx="2"/>
-          </p:nvPr>
-        </p:nvSpPr>
-        <p:spPr/>
-        <p:txBody>
-          <a:bodyPr>
-            <a:normAutofit fontScale="92500" lnSpcReduction="20000"/>
-          </a:bodyPr>
-          <a:lstStyle/>
-          <a:p>
-            <a:r>
-              <a:rPr lang="en-US" dirty="0" smtClean="0"/>
-              <a:t>MAP file (describes genetic markers):</a:t>
-            </a:r>
-          </a:p>
-          <a:p>
-            <a:pPr lvl="1"/>
-            <a:r>
-              <a:rPr lang="en-US" dirty="0" smtClean="0"/>
-              <a:t> chromosome (1-22, X, Y or 0 if unplaced)</a:t>
-            </a:r>
-          </a:p>
-          <a:p>
-            <a:pPr lvl="1"/>
-            <a:r>
-              <a:rPr lang="en-US" dirty="0" smtClean="0"/>
-              <a:t>     </a:t>
-            </a:r>
-            <a:r>
-              <a:rPr lang="en-US" dirty="0" err="1" smtClean="0"/>
-              <a:t>rs</a:t>
-            </a:r>
-            <a:r>
-              <a:rPr lang="en-US" dirty="0" smtClean="0"/>
-              <a:t># or </a:t>
-            </a:r>
-            <a:r>
-              <a:rPr lang="en-US" dirty="0" err="1" smtClean="0"/>
-              <a:t>snp</a:t>
-            </a:r>
-            <a:r>
-              <a:rPr lang="en-US" dirty="0" smtClean="0"/>
-              <a:t> identifier</a:t>
-            </a:r>
-          </a:p>
-          <a:p>
-            <a:pPr lvl="1"/>
-            <a:r>
-              <a:rPr lang="en-US" dirty="0" smtClean="0"/>
-              <a:t>     Genetic distance (</a:t>
-            </a:r>
-            <a:r>
-              <a:rPr lang="en-US" dirty="0" err="1" smtClean="0"/>
-              <a:t>morgans</a:t>
-            </a:r>
-            <a:r>
-              <a:rPr lang="en-US" dirty="0" smtClean="0"/>
-              <a:t>)</a:t>
-            </a:r>
-          </a:p>
-          <a:p>
-            <a:pPr lvl="1"/>
-            <a:r>
-              <a:rPr lang="en-US" dirty="0" smtClean="0"/>
-              <a:t>     Base-pair position (</a:t>
-            </a:r>
-            <a:r>
-              <a:rPr lang="en-US" dirty="0" err="1" smtClean="0"/>
-              <a:t>bp</a:t>
-            </a:r>
-            <a:r>
-              <a:rPr lang="en-US" dirty="0" smtClean="0"/>
-              <a:t> units)</a:t>
-            </a:r>
-            <a:endParaRPr lang="en-US" dirty="0"/>
-          </a:p>
-        </p:txBody>
-      </p:sp>
-    </p:spTree>
-  </p:cSld>
-  <p:clrMapOvr>
-    <a:masterClrMapping/>
-  </p:clrMapOvr>
-  <p:transition/>
-  <p:timing>
-    <p:tnLst>
-      <p:par>
-        <p:cTn id="1" dur="indefinite" restart="never" nodeType="tmRoot"/>
-      </p:par>
-    </p:tnLst>
-  </p:timing>
-</p:sld>
-</file>
-
-<file path=ppt/slides/slide39.xml><?xml version="1.0" encoding="utf-8"?>
+<file path=ppt/slides/slide40.xml><?xml version="1.0" encoding="utf-8"?>
 <p:sld xmlns:a="http://schemas.openxmlformats.org/drawingml/2006/main" xmlns:r="http://schemas.openxmlformats.org/officeDocument/2006/relationships" xmlns:p="http://schemas.openxmlformats.org/presentationml/2006/main">
   <p:cSld>
     <p:spTree>
@@ -8067,103 +8190,7 @@
 </p:sld>
 </file>
 
-<file path=ppt/slides/slide4.xml><?xml version="1.0" encoding="utf-8"?>
-<p:sld xmlns:a="http://schemas.openxmlformats.org/drawingml/2006/main" xmlns:r="http://schemas.openxmlformats.org/officeDocument/2006/relationships" xmlns:p="http://schemas.openxmlformats.org/presentationml/2006/main">
-  <p:cSld>
-    <p:spTree>
-      <p:nvGrpSpPr>
-        <p:cNvPr id="1" name=""/>
-        <p:cNvGrpSpPr/>
-        <p:nvPr/>
-      </p:nvGrpSpPr>
-      <p:grpSpPr>
-        <a:xfrm>
-          <a:off x="0" y="0"/>
-          <a:ext cx="0" cy="0"/>
-          <a:chOff x="0" y="0"/>
-          <a:chExt cx="0" cy="0"/>
-        </a:xfrm>
-      </p:grpSpPr>
-      <p:sp>
-        <p:nvSpPr>
-          <p:cNvPr id="2" name="Title 1"/>
-          <p:cNvSpPr>
-            <a:spLocks noGrp="1"/>
-          </p:cNvSpPr>
-          <p:nvPr>
-            <p:ph type="title"/>
-          </p:nvPr>
-        </p:nvSpPr>
-        <p:spPr/>
-        <p:txBody>
-          <a:bodyPr/>
-          <a:lstStyle/>
-          <a:p>
-            <a:r>
-              <a:rPr lang="en-US" dirty="0" smtClean="0"/>
-              <a:t>Goals for workshop</a:t>
-            </a:r>
-            <a:endParaRPr lang="en-US" dirty="0"/>
-          </a:p>
-        </p:txBody>
-      </p:sp>
-      <p:sp>
-        <p:nvSpPr>
-          <p:cNvPr id="3" name="Content Placeholder 2"/>
-          <p:cNvSpPr>
-            <a:spLocks noGrp="1"/>
-          </p:cNvSpPr>
-          <p:nvPr>
-            <p:ph idx="1"/>
-          </p:nvPr>
-        </p:nvSpPr>
-        <p:spPr/>
-        <p:txBody>
-          <a:bodyPr/>
-          <a:lstStyle/>
-          <a:p>
-            <a:r>
-              <a:rPr lang="en-US" dirty="0" smtClean="0"/>
-              <a:t>Be able to read papers that utilize genetic data. </a:t>
-            </a:r>
-          </a:p>
-          <a:p>
-            <a:r>
-              <a:rPr lang="en-US" dirty="0" smtClean="0"/>
-              <a:t>Start developing research questions that might utilize genetic data. </a:t>
-            </a:r>
-          </a:p>
-          <a:p>
-            <a:r>
-              <a:rPr lang="en-US" dirty="0" smtClean="0"/>
-              <a:t>Begin to figure out how to work with genetic data.</a:t>
-            </a:r>
-            <a:endParaRPr lang="en-US" dirty="0"/>
-          </a:p>
-        </p:txBody>
-      </p:sp>
-    </p:spTree>
-    <p:extLst>
-      <p:ext uri="{BB962C8B-B14F-4D97-AF65-F5344CB8AC3E}">
-        <p14:creationId xmlns:p14="http://schemas.microsoft.com/office/powerpoint/2010/main" val="3702370066"/>
-      </p:ext>
-    </p:extLst>
-  </p:cSld>
-  <p:clrMapOvr>
-    <a:masterClrMapping/>
-  </p:clrMapOvr>
-  <p:transition/>
-  <p:timing>
-    <p:tnLst>
-      <p:par>
-        <p:cTn id="1" dur="indefinite" restart="never" nodeType="tmRoot"/>
-      </p:par>
-    </p:tnLst>
-  </p:timing>
-</p:sld>
-</file>
-
-<file path=ppt/slides/slide40.xml><?xml version="1.0" encoding="utf-8"?>
+<file path=ppt/slides/slide41.xml><?xml version="1.0" encoding="utf-8"?>
 <p:sld xmlns:a="http://schemas.openxmlformats.org/drawingml/2006/main" xmlns:r="http://schemas.openxmlformats.org/officeDocument/2006/relationships" xmlns:p="http://schemas.openxmlformats.org/presentationml/2006/main">
   <p:cSld>
     <p:spTree>
@@ -8251,7 +8278,7 @@
 </p:sld>
 </file>
 
-<file path=ppt/slides/slide41.xml><?xml version="1.0" encoding="utf-8"?>
+<file path=ppt/slides/slide42.xml><?xml version="1.0" encoding="utf-8"?>
 <p:sld xmlns:a="http://schemas.openxmlformats.org/drawingml/2006/main" xmlns:r="http://schemas.openxmlformats.org/officeDocument/2006/relationships" xmlns:p="http://schemas.openxmlformats.org/presentationml/2006/main">
   <p:cSld>
     <p:spTree>
@@ -8347,7 +8374,7 @@
 </p:sld>
 </file>
 
-<file path=ppt/slides/slide42.xml><?xml version="1.0" encoding="utf-8"?>
+<file path=ppt/slides/slide43.xml><?xml version="1.0" encoding="utf-8"?>
 <p:sld xmlns:a="http://schemas.openxmlformats.org/drawingml/2006/main" xmlns:r="http://schemas.openxmlformats.org/officeDocument/2006/relationships" xmlns:p="http://schemas.openxmlformats.org/presentationml/2006/main">
   <p:cSld>
     <p:spTree>
@@ -8435,7 +8462,7 @@
 </p:sld>
 </file>
 
-<file path=ppt/slides/slide43.xml><?xml version="1.0" encoding="utf-8"?>
+<file path=ppt/slides/slide44.xml><?xml version="1.0" encoding="utf-8"?>
 <p:sld xmlns:a="http://schemas.openxmlformats.org/drawingml/2006/main" xmlns:r="http://schemas.openxmlformats.org/officeDocument/2006/relationships" xmlns:p="http://schemas.openxmlformats.org/presentationml/2006/main">
   <p:cSld>
     <p:spTree>
@@ -8531,7 +8558,7 @@
 </p:sld>
 </file>
 
-<file path=ppt/slides/slide44.xml><?xml version="1.0" encoding="utf-8"?>
+<file path=ppt/slides/slide45.xml><?xml version="1.0" encoding="utf-8"?>
 <p:sld xmlns:a="http://schemas.openxmlformats.org/drawingml/2006/main" xmlns:r="http://schemas.openxmlformats.org/officeDocument/2006/relationships" xmlns:p="http://schemas.openxmlformats.org/presentationml/2006/main">
   <p:cSld>
     <p:spTree>
@@ -8630,91 +8657,6 @@
               <a:t>There is also a .bed file. These are the genotypes (in binary). </a:t>
             </a:r>
             <a:endParaRPr lang="en-US" sz="2000" dirty="0"/>
-          </a:p>
-        </p:txBody>
-      </p:sp>
-    </p:spTree>
-  </p:cSld>
-  <p:clrMapOvr>
-    <a:masterClrMapping/>
-  </p:clrMapOvr>
-  <p:transition/>
-  <p:timing>
-    <p:tnLst>
-      <p:par>
-        <p:cTn id="1" dur="indefinite" restart="never" nodeType="tmRoot"/>
-      </p:par>
-    </p:tnLst>
-  </p:timing>
-</p:sld>
-</file>
-
-<file path=ppt/slides/slide45.xml><?xml version="1.0" encoding="utf-8"?>
-<p:sld xmlns:a="http://schemas.openxmlformats.org/drawingml/2006/main" xmlns:r="http://schemas.openxmlformats.org/officeDocument/2006/relationships" xmlns:p="http://schemas.openxmlformats.org/presentationml/2006/main">
-  <p:cSld>
-    <p:spTree>
-      <p:nvGrpSpPr>
-        <p:cNvPr id="1" name=""/>
-        <p:cNvGrpSpPr/>
-        <p:nvPr/>
-      </p:nvGrpSpPr>
-      <p:grpSpPr>
-        <a:xfrm>
-          <a:off x="0" y="0"/>
-          <a:ext cx="0" cy="0"/>
-          <a:chOff x="0" y="0"/>
-          <a:chExt cx="0" cy="0"/>
-        </a:xfrm>
-      </p:grpSpPr>
-      <p:sp>
-        <p:nvSpPr>
-          <p:cNvPr id="2" name="Title 1"/>
-          <p:cNvSpPr>
-            <a:spLocks noGrp="1"/>
-          </p:cNvSpPr>
-          <p:nvPr>
-            <p:ph type="title"/>
-          </p:nvPr>
-        </p:nvSpPr>
-        <p:spPr/>
-        <p:txBody>
-          <a:bodyPr/>
-          <a:lstStyle/>
-          <a:p>
-            <a:r>
-              <a:rPr lang="en-US" dirty="0" smtClean="0"/>
-              <a:t>Crucial Issues for this week</a:t>
-            </a:r>
-            <a:endParaRPr lang="en-US" dirty="0"/>
-          </a:p>
-        </p:txBody>
-      </p:sp>
-      <p:sp>
-        <p:nvSpPr>
-          <p:cNvPr id="3" name="Content Placeholder 2"/>
-          <p:cNvSpPr>
-            <a:spLocks noGrp="1"/>
-          </p:cNvSpPr>
-          <p:nvPr>
-            <p:ph idx="1"/>
-          </p:nvPr>
-        </p:nvSpPr>
-        <p:spPr/>
-        <p:txBody>
-          <a:bodyPr/>
-          <a:lstStyle/>
-          <a:p>
-            <a:r>
-              <a:rPr lang="en-US" dirty="0" smtClean="0"/>
-              <a:t>How do we tie genetic variation to phenotypic variation in a reliable way?</a:t>
-            </a:r>
-          </a:p>
-          <a:p>
-            <a:r>
-              <a:rPr lang="en-US" dirty="0" smtClean="0"/>
-              <a:t>How does the population structure that exists in genetic data complicate this task?</a:t>
-            </a:r>
-            <a:endParaRPr lang="en-US" dirty="0"/>
           </a:p>
         </p:txBody>
       </p:sp>
@@ -8763,14 +8705,12 @@
         </p:nvSpPr>
         <p:spPr/>
         <p:txBody>
-          <a:bodyPr>
-            <a:normAutofit fontScale="90000"/>
-          </a:bodyPr>
-          <a:lstStyle/>
-          <a:p>
-            <a:r>
-              <a:rPr lang="en-US" dirty="0" smtClean="0"/>
-              <a:t>Give overview of what is coming on each day</a:t>
+          <a:bodyPr/>
+          <a:lstStyle/>
+          <a:p>
+            <a:r>
+              <a:rPr lang="en-US" dirty="0" smtClean="0"/>
+              <a:t>Crucial Issues for this week</a:t>
             </a:r>
             <a:endParaRPr lang="en-US" dirty="0"/>
           </a:p>
@@ -8788,66 +8728,18 @@
         </p:nvSpPr>
         <p:spPr/>
         <p:txBody>
-          <a:bodyPr>
-            <a:normAutofit fontScale="92500" lnSpcReduction="20000"/>
-          </a:bodyPr>
-          <a:lstStyle/>
-          <a:p>
-            <a:r>
-              <a:rPr lang="en-US" dirty="0" smtClean="0"/>
-              <a:t>Tuesday: Population structure</a:t>
-            </a:r>
-          </a:p>
-          <a:p>
-            <a:pPr lvl="1"/>
-            <a:r>
-              <a:rPr lang="en-US" dirty="0" smtClean="0"/>
-              <a:t>How do ancestral differences affect study of genetics?</a:t>
-            </a:r>
-            <a:endParaRPr lang="en-US" dirty="0" smtClean="0"/>
-          </a:p>
-          <a:p>
-            <a:r>
-              <a:rPr lang="en-US" dirty="0" smtClean="0"/>
-              <a:t>Wednesday: GWAS &amp; Polygenic scores</a:t>
-            </a:r>
-          </a:p>
-          <a:p>
-            <a:pPr lvl="1"/>
-            <a:r>
-              <a:rPr lang="en-US" dirty="0" smtClean="0"/>
-              <a:t>How do we associate phenotypic variation to genetic variation?</a:t>
-            </a:r>
-          </a:p>
-          <a:p>
-            <a:r>
-              <a:rPr lang="en-US" dirty="0" smtClean="0"/>
-              <a:t>Thursday: Relatedness &amp; Heritability</a:t>
-            </a:r>
-          </a:p>
-          <a:p>
-            <a:pPr lvl="1"/>
-            <a:r>
-              <a:rPr lang="en-US" dirty="0" smtClean="0"/>
-              <a:t>How do we quantify genetic similarity between different humans (e.g., siblings versus first-cousins)?</a:t>
-            </a:r>
-          </a:p>
-          <a:p>
-            <a:pPr lvl="1"/>
-            <a:r>
-              <a:rPr lang="en-US" dirty="0" smtClean="0"/>
-              <a:t>How can we use this?</a:t>
-            </a:r>
-          </a:p>
-          <a:p>
-            <a:pPr lvl="1"/>
-            <a:r>
-              <a:rPr lang="en-US" dirty="0" smtClean="0"/>
-              <a:t>[Note: this is out of order with Wednesday for </a:t>
-            </a:r>
-            <a:r>
-              <a:rPr lang="en-US" smtClean="0"/>
-              <a:t>practical reasons.]</a:t>
+          <a:bodyPr/>
+          <a:lstStyle/>
+          <a:p>
+            <a:r>
+              <a:rPr lang="en-US" dirty="0" smtClean="0"/>
+              <a:t>How do we tie genetic variation to phenotypic variation in a reliable way?</a:t>
+            </a:r>
+          </a:p>
+          <a:p>
+            <a:r>
+              <a:rPr lang="en-US" dirty="0" smtClean="0"/>
+              <a:t>How does the population structure that exists in genetic data complicate this task?</a:t>
             </a:r>
             <a:endParaRPr lang="en-US" dirty="0"/>
           </a:p>
@@ -8898,6 +8790,140 @@
         </p:nvSpPr>
         <p:spPr/>
         <p:txBody>
+          <a:bodyPr>
+            <a:normAutofit fontScale="90000"/>
+          </a:bodyPr>
+          <a:lstStyle/>
+          <a:p>
+            <a:r>
+              <a:rPr lang="en-US" dirty="0" smtClean="0"/>
+              <a:t>Give overview of what is coming on each day</a:t>
+            </a:r>
+            <a:endParaRPr lang="en-US" dirty="0"/>
+          </a:p>
+        </p:txBody>
+      </p:sp>
+      <p:sp>
+        <p:nvSpPr>
+          <p:cNvPr id="3" name="Content Placeholder 2"/>
+          <p:cNvSpPr>
+            <a:spLocks noGrp="1"/>
+          </p:cNvSpPr>
+          <p:nvPr>
+            <p:ph idx="1"/>
+          </p:nvPr>
+        </p:nvSpPr>
+        <p:spPr/>
+        <p:txBody>
+          <a:bodyPr>
+            <a:normAutofit fontScale="92500" lnSpcReduction="20000"/>
+          </a:bodyPr>
+          <a:lstStyle/>
+          <a:p>
+            <a:r>
+              <a:rPr lang="en-US" dirty="0" smtClean="0"/>
+              <a:t>Tuesday: Population structure</a:t>
+            </a:r>
+          </a:p>
+          <a:p>
+            <a:pPr lvl="1"/>
+            <a:r>
+              <a:rPr lang="en-US" dirty="0" smtClean="0"/>
+              <a:t>How do ancestral differences affect study of genetics?</a:t>
+            </a:r>
+          </a:p>
+          <a:p>
+            <a:r>
+              <a:rPr lang="en-US" dirty="0" smtClean="0"/>
+              <a:t>Wednesday: GWAS &amp; Polygenic scores</a:t>
+            </a:r>
+          </a:p>
+          <a:p>
+            <a:pPr lvl="1"/>
+            <a:r>
+              <a:rPr lang="en-US" dirty="0" smtClean="0"/>
+              <a:t>How do we associate phenotypic variation to genetic variation?</a:t>
+            </a:r>
+          </a:p>
+          <a:p>
+            <a:r>
+              <a:rPr lang="en-US" dirty="0" smtClean="0"/>
+              <a:t>Thursday: Relatedness &amp; Heritability</a:t>
+            </a:r>
+          </a:p>
+          <a:p>
+            <a:pPr lvl="1"/>
+            <a:r>
+              <a:rPr lang="en-US" dirty="0" smtClean="0"/>
+              <a:t>How do we quantify genetic similarity between different humans (e.g., siblings versus first-cousins)?</a:t>
+            </a:r>
+          </a:p>
+          <a:p>
+            <a:pPr lvl="1"/>
+            <a:r>
+              <a:rPr lang="en-US" dirty="0" smtClean="0"/>
+              <a:t>How can we use this?</a:t>
+            </a:r>
+          </a:p>
+          <a:p>
+            <a:pPr lvl="1"/>
+            <a:r>
+              <a:rPr lang="en-US" dirty="0" smtClean="0"/>
+              <a:t>[Note: this is out of order with Wednesday for </a:t>
+            </a:r>
+            <a:r>
+              <a:rPr lang="en-US" smtClean="0"/>
+              <a:t>practical reasons.]</a:t>
+            </a:r>
+            <a:endParaRPr lang="en-US" dirty="0"/>
+          </a:p>
+        </p:txBody>
+      </p:sp>
+    </p:spTree>
+  </p:cSld>
+  <p:clrMapOvr>
+    <a:masterClrMapping/>
+  </p:clrMapOvr>
+  <p:transition/>
+  <p:timing>
+    <p:tnLst>
+      <p:par>
+        <p:cTn id="1" dur="indefinite" restart="never" nodeType="tmRoot"/>
+      </p:par>
+    </p:tnLst>
+  </p:timing>
+</p:sld>
+</file>
+
+<file path=ppt/slides/slide48.xml><?xml version="1.0" encoding="utf-8"?>
+<p:sld xmlns:a="http://schemas.openxmlformats.org/drawingml/2006/main" xmlns:r="http://schemas.openxmlformats.org/officeDocument/2006/relationships" xmlns:p="http://schemas.openxmlformats.org/presentationml/2006/main">
+  <p:cSld>
+    <p:spTree>
+      <p:nvGrpSpPr>
+        <p:cNvPr id="1" name=""/>
+        <p:cNvGrpSpPr/>
+        <p:nvPr/>
+      </p:nvGrpSpPr>
+      <p:grpSpPr>
+        <a:xfrm>
+          <a:off x="0" y="0"/>
+          <a:ext cx="0" cy="0"/>
+          <a:chOff x="0" y="0"/>
+          <a:chExt cx="0" cy="0"/>
+        </a:xfrm>
+      </p:grpSpPr>
+      <p:sp>
+        <p:nvSpPr>
+          <p:cNvPr id="2" name="Title 1"/>
+          <p:cNvSpPr>
+            <a:spLocks noGrp="1"/>
+          </p:cNvSpPr>
+          <p:nvPr>
+            <p:ph type="title"/>
+          </p:nvPr>
+        </p:nvSpPr>
+        <p:spPr/>
+        <p:txBody>
           <a:bodyPr/>
           <a:lstStyle/>
           <a:p>
@@ -9183,7 +9209,7 @@
 </p:sld>
 </file>
 
-<file path=ppt/slides/slide48.xml><?xml version="1.0" encoding="utf-8"?>
+<file path=ppt/slides/slide49.xml><?xml version="1.0" encoding="utf-8"?>
 <p:sld xmlns:a="http://schemas.openxmlformats.org/drawingml/2006/main" xmlns:r="http://schemas.openxmlformats.org/officeDocument/2006/relationships" xmlns:p="http://schemas.openxmlformats.org/presentationml/2006/main">
   <p:cSld>
     <p:spTree>
@@ -9374,6 +9400,102 @@
           <a:p>
             <a:r>
               <a:rPr lang="en-US" dirty="0" smtClean="0"/>
+              <a:t>Goals for workshop</a:t>
+            </a:r>
+            <a:endParaRPr lang="en-US" dirty="0"/>
+          </a:p>
+        </p:txBody>
+      </p:sp>
+      <p:sp>
+        <p:nvSpPr>
+          <p:cNvPr id="3" name="Content Placeholder 2"/>
+          <p:cNvSpPr>
+            <a:spLocks noGrp="1"/>
+          </p:cNvSpPr>
+          <p:nvPr>
+            <p:ph idx="1"/>
+          </p:nvPr>
+        </p:nvSpPr>
+        <p:spPr/>
+        <p:txBody>
+          <a:bodyPr/>
+          <a:lstStyle/>
+          <a:p>
+            <a:r>
+              <a:rPr lang="en-US" dirty="0" smtClean="0"/>
+              <a:t>Be able to read papers that utilize genetic data. </a:t>
+            </a:r>
+          </a:p>
+          <a:p>
+            <a:r>
+              <a:rPr lang="en-US" dirty="0" smtClean="0"/>
+              <a:t>Start developing research questions that might utilize genetic data. </a:t>
+            </a:r>
+          </a:p>
+          <a:p>
+            <a:r>
+              <a:rPr lang="en-US" dirty="0" smtClean="0"/>
+              <a:t>Begin to figure out how to work with genetic data.</a:t>
+            </a:r>
+            <a:endParaRPr lang="en-US" dirty="0"/>
+          </a:p>
+        </p:txBody>
+      </p:sp>
+    </p:spTree>
+    <p:extLst>
+      <p:ext uri="{BB962C8B-B14F-4D97-AF65-F5344CB8AC3E}">
+        <p14:creationId xmlns:p14="http://schemas.microsoft.com/office/powerpoint/2010/main" val="3702370066"/>
+      </p:ext>
+    </p:extLst>
+  </p:cSld>
+  <p:clrMapOvr>
+    <a:masterClrMapping/>
+  </p:clrMapOvr>
+  <p:transition/>
+  <p:timing>
+    <p:tnLst>
+      <p:par>
+        <p:cTn id="1" dur="indefinite" restart="never" nodeType="tmRoot"/>
+      </p:par>
+    </p:tnLst>
+  </p:timing>
+</p:sld>
+</file>
+
+<file path=ppt/slides/slide6.xml><?xml version="1.0" encoding="utf-8"?>
+<p:sld xmlns:a="http://schemas.openxmlformats.org/drawingml/2006/main" xmlns:r="http://schemas.openxmlformats.org/officeDocument/2006/relationships" xmlns:p="http://schemas.openxmlformats.org/presentationml/2006/main">
+  <p:cSld>
+    <p:spTree>
+      <p:nvGrpSpPr>
+        <p:cNvPr id="1" name=""/>
+        <p:cNvGrpSpPr/>
+        <p:nvPr/>
+      </p:nvGrpSpPr>
+      <p:grpSpPr>
+        <a:xfrm>
+          <a:off x="0" y="0"/>
+          <a:ext cx="0" cy="0"/>
+          <a:chOff x="0" y="0"/>
+          <a:chExt cx="0" cy="0"/>
+        </a:xfrm>
+      </p:grpSpPr>
+      <p:sp>
+        <p:nvSpPr>
+          <p:cNvPr id="2" name="Title 1"/>
+          <p:cNvSpPr>
+            <a:spLocks noGrp="1"/>
+          </p:cNvSpPr>
+          <p:nvPr>
+            <p:ph type="title"/>
+          </p:nvPr>
+        </p:nvSpPr>
+        <p:spPr/>
+        <p:txBody>
+          <a:bodyPr/>
+          <a:lstStyle/>
+          <a:p>
+            <a:r>
+              <a:rPr lang="en-US" dirty="0" smtClean="0"/>
               <a:t>Goals for today</a:t>
             </a:r>
             <a:endParaRPr lang="en-US" dirty="0"/>
@@ -9421,7 +9543,7 @@
 </p:sld>
 </file>
 
-<file path=ppt/slides/slide6.xml><?xml version="1.0" encoding="utf-8"?>
+<file path=ppt/slides/slide7.xml><?xml version="1.0" encoding="utf-8"?>
 <p:sld xmlns:a="http://schemas.openxmlformats.org/drawingml/2006/main" xmlns:r="http://schemas.openxmlformats.org/officeDocument/2006/relationships" xmlns:p="http://schemas.openxmlformats.org/presentationml/2006/main">
   <p:cSld>
     <p:spTree>
@@ -9530,7 +9652,7 @@
 </p:sld>
 </file>
 
-<file path=ppt/slides/slide7.xml><?xml version="1.0" encoding="utf-8"?>
+<file path=ppt/slides/slide8.xml><?xml version="1.0" encoding="utf-8"?>
 <p:sld xmlns:a="http://schemas.openxmlformats.org/drawingml/2006/main" xmlns:r="http://schemas.openxmlformats.org/officeDocument/2006/relationships" xmlns:p="http://schemas.openxmlformats.org/presentationml/2006/main">
   <p:cSld>
     <p:spTree>
@@ -9639,7 +9761,7 @@
 </p:sld>
 </file>
 
-<file path=ppt/slides/slide8.xml><?xml version="1.0" encoding="utf-8"?>
+<file path=ppt/slides/slide9.xml><?xml version="1.0" encoding="utf-8"?>
 <p:sld xmlns:a="http://schemas.openxmlformats.org/drawingml/2006/main" xmlns:r="http://schemas.openxmlformats.org/officeDocument/2006/relationships" xmlns:p="http://schemas.openxmlformats.org/presentationml/2006/main">
   <p:cSld>
     <p:spTree>
@@ -9675,71 +9797,6 @@
           <a:xfrm>
             <a:off x="771525" y="885825"/>
             <a:ext cx="7600950" cy="5086350"/>
-          </a:xfrm>
-          <a:prstGeom prst="rect">
-            <a:avLst/>
-          </a:prstGeom>
-          <a:noFill/>
-          <a:ln w="9525">
-            <a:noFill/>
-            <a:miter lim="800000"/>
-            <a:headEnd/>
-            <a:tailEnd/>
-          </a:ln>
-        </p:spPr>
-      </p:pic>
-    </p:spTree>
-  </p:cSld>
-  <p:clrMapOvr>
-    <a:masterClrMapping/>
-  </p:clrMapOvr>
-  <p:transition/>
-  <p:timing>
-    <p:tnLst>
-      <p:par>
-        <p:cTn id="1" dur="indefinite" restart="never" nodeType="tmRoot"/>
-      </p:par>
-    </p:tnLst>
-  </p:timing>
-</p:sld>
-</file>
-
-<file path=ppt/slides/slide9.xml><?xml version="1.0" encoding="utf-8"?>
-<p:sld xmlns:a="http://schemas.openxmlformats.org/drawingml/2006/main" xmlns:r="http://schemas.openxmlformats.org/officeDocument/2006/relationships" xmlns:p="http://schemas.openxmlformats.org/presentationml/2006/main">
-  <p:cSld>
-    <p:spTree>
-      <p:nvGrpSpPr>
-        <p:cNvPr id="1" name=""/>
-        <p:cNvGrpSpPr/>
-        <p:nvPr/>
-      </p:nvGrpSpPr>
-      <p:grpSpPr>
-        <a:xfrm>
-          <a:off x="0" y="0"/>
-          <a:ext cx="0" cy="0"/>
-          <a:chOff x="0" y="0"/>
-          <a:chExt cx="0" cy="0"/>
-        </a:xfrm>
-      </p:grpSpPr>
-      <p:pic>
-        <p:nvPicPr>
-          <p:cNvPr id="2050" name="Picture 2"/>
-          <p:cNvPicPr>
-            <a:picLocks noChangeAspect="1" noChangeArrowheads="1"/>
-          </p:cNvPicPr>
-          <p:nvPr/>
-        </p:nvPicPr>
-        <p:blipFill>
-          <a:blip r:embed="rId2" cstate="print"/>
-          <a:srcRect/>
-          <a:stretch>
-            <a:fillRect/>
-          </a:stretch>
-        </p:blipFill>
-        <p:spPr bwMode="auto">
-          <a:xfrm>
-            <a:off x="781050" y="895350"/>
-            <a:ext cx="7581900" cy="5067300"/>
           </a:xfrm>
           <a:prstGeom prst="rect">
             <a:avLst/>

--- a/talks/Domingue-mx1.pptx
+++ b/talks/Domingue-mx1.pptx
@@ -5,7 +5,7 @@
     <p:sldMasterId id="2147483648" r:id="rId1"/>
   </p:sldMasterIdLst>
   <p:notesMasterIdLst>
-    <p:notesMasterId r:id="rId51"/>
+    <p:notesMasterId r:id="rId52"/>
   </p:notesMasterIdLst>
   <p:sldIdLst>
     <p:sldId id="270" r:id="rId2"/>
@@ -55,8 +55,9 @@
     <p:sldId id="313" r:id="rId46"/>
     <p:sldId id="297" r:id="rId47"/>
     <p:sldId id="317" r:id="rId48"/>
-    <p:sldId id="298" r:id="rId49"/>
-    <p:sldId id="318" r:id="rId50"/>
+    <p:sldId id="320" r:id="rId49"/>
+    <p:sldId id="298" r:id="rId50"/>
+    <p:sldId id="318" r:id="rId51"/>
   </p:sldIdLst>
   <p:sldSz cx="9144000" cy="6858000" type="screen4x3"/>
   <p:notesSz cx="6858000" cy="9144000"/>
@@ -5290,8 +5291,13 @@
           <a:p>
             <a:r>
               <a:rPr lang="en-US" dirty="0" smtClean="0"/>
-              <a:t>Feel free to interrupt, tell me to slow down, etc etc.</a:t>
-            </a:r>
+              <a:t>Feel free to interrupt, tell me to slow down, etc etc</a:t>
+            </a:r>
+            <a:r>
+              <a:rPr lang="en-US" dirty="0" smtClean="0"/>
+              <a:t>. We have LOTS of time. </a:t>
+            </a:r>
+            <a:endParaRPr lang="en-US" dirty="0" smtClean="0"/>
           </a:p>
           <a:p>
             <a:endParaRPr lang="en-US" dirty="0"/>
@@ -8927,11 +8933,7 @@
           <a:bodyPr/>
           <a:lstStyle/>
           <a:p>
-            <a:r>
-              <a:rPr lang="en-US" dirty="0" smtClean="0"/>
-              <a:t>Research Brainstorm Session #1</a:t>
-            </a:r>
-            <a:endParaRPr lang="en-US" dirty="0"/>
+            <a:endParaRPr lang="en-US"/>
           </a:p>
         </p:txBody>
       </p:sp>
@@ -8947,251 +8949,58 @@
         </p:nvSpPr>
         <p:spPr/>
         <p:txBody>
-          <a:bodyPr>
-            <a:normAutofit fontScale="92500" lnSpcReduction="20000"/>
-          </a:bodyPr>
-          <a:lstStyle/>
-          <a:p>
-            <a:r>
-              <a:rPr lang="en-US" dirty="0" smtClean="0"/>
-              <a:t>Let’s set aside the next XX minutes to look for previously published papers of interest [potential replication projects?]. </a:t>
+          <a:bodyPr/>
+          <a:lstStyle/>
+          <a:p>
+            <a:r>
+              <a:rPr lang="en-US" dirty="0" smtClean="0"/>
+              <a:t>What data do we have?</a:t>
             </a:r>
           </a:p>
           <a:p>
             <a:pPr lvl="1"/>
             <a:r>
               <a:rPr lang="en-US" dirty="0" err="1" smtClean="0"/>
-              <a:t>Biodemography</a:t>
-            </a:r>
-            <a:r>
-              <a:rPr lang="en-US" dirty="0" smtClean="0"/>
-              <a:t> &amp; social biology, behavior genetics</a:t>
-            </a:r>
+              <a:t>Hapmap</a:t>
+            </a:r>
+            <a:r>
+              <a:rPr lang="en-US" dirty="0"/>
+              <a:t>: </a:t>
+            </a:r>
+            <a:r>
+              <a:rPr lang="en-US" dirty="0">
+                <a:hlinkClick r:id="rId2"/>
+              </a:rPr>
+              <a:t>https://</a:t>
+            </a:r>
+            <a:r>
+              <a:rPr lang="en-US" dirty="0" smtClean="0">
+                <a:hlinkClick r:id="rId2"/>
+              </a:rPr>
+              <a:t>hapmap.ncbi.nlm.nih.gov/downloads/index.html.en</a:t>
+            </a:r>
+            <a:endParaRPr lang="en-US" dirty="0" smtClean="0"/>
           </a:p>
           <a:p>
             <a:pPr lvl="1"/>
             <a:r>
-              <a:rPr lang="en-US" dirty="0" err="1" smtClean="0"/>
-              <a:t>Ssgac</a:t>
-            </a:r>
-            <a:r>
-              <a:rPr lang="en-US" dirty="0" smtClean="0"/>
-              <a:t> papers [and subsequent cites]</a:t>
-            </a:r>
-          </a:p>
-          <a:p>
-            <a:pPr lvl="1"/>
-            <a:r>
-              <a:rPr lang="en-US" dirty="0" err="1" smtClean="0"/>
-              <a:t>Sociogenomics</a:t>
-            </a:r>
-            <a:r>
-              <a:rPr lang="en-US" dirty="0" smtClean="0"/>
-              <a:t> topics</a:t>
+              <a:rPr lang="en-US" dirty="0" smtClean="0"/>
+              <a:t>Mexico:</a:t>
             </a:r>
           </a:p>
           <a:p>
             <a:pPr lvl="2"/>
             <a:r>
-              <a:rPr lang="en-US" dirty="0" smtClean="0"/>
-              <a:t>Polygenic score, </a:t>
-            </a:r>
-            <a:r>
-              <a:rPr lang="en-US" dirty="0" err="1" smtClean="0"/>
-              <a:t>mendelian</a:t>
-            </a:r>
-            <a:r>
-              <a:rPr lang="en-US" dirty="0" smtClean="0"/>
-              <a:t> randomization, </a:t>
-            </a:r>
-            <a:r>
-              <a:rPr lang="en-US" dirty="0" err="1" smtClean="0"/>
-              <a:t>gwas</a:t>
-            </a:r>
-            <a:r>
-              <a:rPr lang="en-US" dirty="0" smtClean="0"/>
-              <a:t>, </a:t>
-            </a:r>
-            <a:r>
-              <a:rPr lang="en-US" dirty="0" err="1" smtClean="0"/>
-              <a:t>gcta</a:t>
-            </a:r>
-            <a:r>
-              <a:rPr lang="en-US" dirty="0" smtClean="0"/>
-              <a:t>, gene-environment interaction (</a:t>
-            </a:r>
-            <a:r>
-              <a:rPr lang="en-US" dirty="0" err="1" smtClean="0"/>
-              <a:t>GxE</a:t>
-            </a:r>
-            <a:r>
-              <a:rPr lang="en-US" dirty="0" smtClean="0"/>
-              <a:t>)</a:t>
-            </a:r>
-          </a:p>
-          <a:p>
-            <a:pPr lvl="1"/>
-            <a:r>
-              <a:rPr lang="en-US" dirty="0" smtClean="0"/>
-              <a:t>Scholars </a:t>
-            </a:r>
-          </a:p>
-          <a:p>
-            <a:pPr lvl="2"/>
-            <a:r>
-              <a:rPr lang="en-US" dirty="0" err="1" smtClean="0"/>
-              <a:t>jason</a:t>
-            </a:r>
-            <a:r>
-              <a:rPr lang="en-US" dirty="0" smtClean="0"/>
-              <a:t> </a:t>
-            </a:r>
-            <a:r>
-              <a:rPr lang="en-US" dirty="0" err="1" smtClean="0"/>
-              <a:t>boardman</a:t>
-            </a:r>
-            <a:r>
-              <a:rPr lang="en-US" dirty="0" smtClean="0"/>
-              <a:t>, </a:t>
-            </a:r>
-            <a:r>
-              <a:rPr lang="en-US" dirty="0" err="1" smtClean="0"/>
-              <a:t>dalton</a:t>
-            </a:r>
-            <a:r>
-              <a:rPr lang="en-US" dirty="0" smtClean="0"/>
-              <a:t> </a:t>
-            </a:r>
-            <a:r>
-              <a:rPr lang="en-US" dirty="0" err="1" smtClean="0"/>
-              <a:t>conley</a:t>
-            </a:r>
-            <a:r>
-              <a:rPr lang="en-US" dirty="0" smtClean="0"/>
-              <a:t>, </a:t>
-            </a:r>
-            <a:r>
-              <a:rPr lang="en-US" dirty="0" err="1" smtClean="0"/>
-              <a:t>jason</a:t>
-            </a:r>
-            <a:r>
-              <a:rPr lang="en-US" dirty="0" smtClean="0"/>
-              <a:t> </a:t>
-            </a:r>
-            <a:r>
-              <a:rPr lang="en-US" dirty="0" err="1" smtClean="0"/>
-              <a:t>fletcher</a:t>
-            </a:r>
-            <a:r>
-              <a:rPr lang="en-US" dirty="0" smtClean="0"/>
-              <a:t>, </a:t>
-            </a:r>
-            <a:r>
-              <a:rPr lang="en-US" dirty="0" err="1" smtClean="0"/>
-              <a:t>guang</a:t>
-            </a:r>
-            <a:r>
-              <a:rPr lang="en-US" dirty="0" smtClean="0"/>
-              <a:t> </a:t>
-            </a:r>
-            <a:r>
-              <a:rPr lang="en-US" dirty="0" err="1" smtClean="0"/>
-              <a:t>guo</a:t>
-            </a:r>
-            <a:r>
-              <a:rPr lang="en-US" dirty="0" smtClean="0"/>
-              <a:t>, </a:t>
-            </a:r>
-            <a:r>
-              <a:rPr lang="en-US" dirty="0" err="1" smtClean="0"/>
-              <a:t>dan</a:t>
-            </a:r>
-            <a:r>
-              <a:rPr lang="en-US" dirty="0" smtClean="0"/>
-              <a:t> </a:t>
-            </a:r>
-            <a:r>
-              <a:rPr lang="en-US" dirty="0" err="1" smtClean="0"/>
-              <a:t>belsky</a:t>
-            </a:r>
-            <a:r>
-              <a:rPr lang="en-US" dirty="0" smtClean="0"/>
-              <a:t>, </a:t>
-            </a:r>
-            <a:r>
-              <a:rPr lang="en-US" dirty="0" err="1" smtClean="0"/>
-              <a:t>eileen</a:t>
-            </a:r>
-            <a:r>
-              <a:rPr lang="en-US" dirty="0" smtClean="0"/>
-              <a:t> </a:t>
-            </a:r>
-            <a:r>
-              <a:rPr lang="en-US" dirty="0" err="1" smtClean="0"/>
-              <a:t>crimmins</a:t>
-            </a:r>
-            <a:r>
-              <a:rPr lang="en-US" dirty="0" smtClean="0"/>
-              <a:t>, </a:t>
-            </a:r>
-            <a:r>
-              <a:rPr lang="en-US" dirty="0" err="1" smtClean="0"/>
-              <a:t>morgan</a:t>
-            </a:r>
-            <a:r>
-              <a:rPr lang="en-US" dirty="0" smtClean="0"/>
-              <a:t> </a:t>
-            </a:r>
-            <a:r>
-              <a:rPr lang="en-US" dirty="0" err="1" smtClean="0"/>
-              <a:t>levine</a:t>
-            </a:r>
-            <a:r>
-              <a:rPr lang="en-US" dirty="0" smtClean="0"/>
-              <a:t>, </a:t>
-            </a:r>
-            <a:r>
-              <a:rPr lang="en-US" dirty="0" err="1" smtClean="0"/>
-              <a:t>david</a:t>
-            </a:r>
-            <a:r>
-              <a:rPr lang="en-US" dirty="0" smtClean="0"/>
-              <a:t> </a:t>
-            </a:r>
-            <a:r>
-              <a:rPr lang="en-US" dirty="0" err="1" smtClean="0"/>
-              <a:t>rehkopf</a:t>
-            </a:r>
-            <a:r>
-              <a:rPr lang="en-US" dirty="0" smtClean="0"/>
-              <a:t>, </a:t>
-            </a:r>
-            <a:r>
-              <a:rPr lang="en-US" dirty="0" err="1" smtClean="0"/>
-              <a:t>jeremy</a:t>
-            </a:r>
-            <a:r>
-              <a:rPr lang="en-US" dirty="0" smtClean="0"/>
-              <a:t> </a:t>
-            </a:r>
-            <a:r>
-              <a:rPr lang="en-US" dirty="0" err="1" smtClean="0"/>
-              <a:t>freese</a:t>
-            </a:r>
-            <a:r>
-              <a:rPr lang="en-US" dirty="0" smtClean="0"/>
-              <a:t>, </a:t>
-            </a:r>
-          </a:p>
-          <a:p>
-            <a:endParaRPr lang="en-US" dirty="0"/>
+              <a:rPr lang="en-US" dirty="0"/>
+              <a:t>http://www.pnas.org/content/106/21/8611.short</a:t>
+            </a:r>
           </a:p>
         </p:txBody>
       </p:sp>
     </p:spTree>
     <p:extLst>
       <p:ext uri="{BB962C8B-B14F-4D97-AF65-F5344CB8AC3E}">
-        <p14:creationId xmlns:p14="http://schemas.microsoft.com/office/powerpoint/2010/main" val="85088122"/>
+        <p14:creationId xmlns:p14="http://schemas.microsoft.com/office/powerpoint/2010/main" val="3551925813"/>
       </p:ext>
     </p:extLst>
   </p:cSld>
@@ -9199,13 +9008,6 @@
     <a:masterClrMapping/>
   </p:clrMapOvr>
   <p:transition/>
-  <p:timing>
-    <p:tnLst>
-      <p:par>
-        <p:cTn id="1" dur="indefinite" restart="never" nodeType="tmRoot"/>
-      </p:par>
-    </p:tnLst>
-  </p:timing>
 </p:sld>
 </file>
 
@@ -9262,85 +9064,262 @@
         <p:spPr/>
         <p:txBody>
           <a:bodyPr>
-            <a:normAutofit fontScale="85000" lnSpcReduction="20000"/>
+            <a:normAutofit fontScale="70000" lnSpcReduction="20000"/>
           </a:bodyPr>
           <a:lstStyle/>
           <a:p>
             <a:r>
               <a:rPr lang="en-US" dirty="0" smtClean="0"/>
-              <a:t>Let’s set aside the next XX minutes to look for potentially interesting data sources. </a:t>
-            </a:r>
-          </a:p>
-          <a:p>
-            <a:r>
-              <a:rPr lang="en-US" dirty="0" smtClean="0"/>
-              <a:t>I know some:</a:t>
+              <a:t>Let’s set aside the next XX minutes to look for previously published papers of interest [potential replication projects?]. </a:t>
             </a:r>
           </a:p>
           <a:p>
             <a:pPr lvl="1"/>
             <a:r>
-              <a:rPr lang="en-US" dirty="0" smtClean="0"/>
-              <a:t>HRS, WHI, </a:t>
+              <a:rPr lang="en-US" dirty="0" err="1" smtClean="0"/>
+              <a:t>Biodemography</a:t>
+            </a:r>
+            <a:r>
+              <a:rPr lang="en-US" dirty="0" smtClean="0"/>
+              <a:t> &amp; social biology, behavior genetics</a:t>
             </a:r>
           </a:p>
           <a:p>
             <a:pPr lvl="1"/>
             <a:r>
-              <a:rPr lang="en-US" dirty="0" smtClean="0"/>
-              <a:t>Add Health</a:t>
-            </a:r>
+              <a:rPr lang="en-US" dirty="0" err="1" smtClean="0"/>
+              <a:t>Ssgac</a:t>
+            </a:r>
+            <a:r>
+              <a:rPr lang="en-US" dirty="0" smtClean="0"/>
+              <a:t> papers [and subsequent cites</a:t>
+            </a:r>
+            <a:r>
+              <a:rPr lang="en-US" dirty="0" smtClean="0"/>
+              <a:t>]</a:t>
+            </a:r>
+          </a:p>
+          <a:p>
+            <a:pPr lvl="2"/>
+            <a:r>
+              <a:rPr lang="en-US" dirty="0" smtClean="0"/>
+              <a:t>Cites </a:t>
+            </a:r>
+            <a:r>
+              <a:rPr lang="en-US" dirty="0"/>
+              <a:t>of Science Paper: https://scholar.google.com/scholar?cites=12238045381303286987&amp;as_sdt=2005&amp;sciodt=0,5&amp;hl=en</a:t>
+            </a:r>
+            <a:endParaRPr lang="en-US" dirty="0" smtClean="0"/>
           </a:p>
           <a:p>
             <a:pPr lvl="1"/>
             <a:r>
-              <a:rPr lang="en-US" dirty="0" smtClean="0"/>
-              <a:t>UK </a:t>
-            </a:r>
-            <a:r>
               <a:rPr lang="en-US" dirty="0" err="1" smtClean="0"/>
-              <a:t>Biobank</a:t>
+              <a:t>Sociogenomics</a:t>
+            </a:r>
+            <a:r>
+              <a:rPr lang="en-US" dirty="0" smtClean="0"/>
+              <a:t> topics</a:t>
+            </a:r>
+          </a:p>
+          <a:p>
+            <a:pPr lvl="2"/>
+            <a:r>
+              <a:rPr lang="en-US" dirty="0" smtClean="0"/>
+              <a:t>Polygenic score, </a:t>
+            </a:r>
+            <a:r>
+              <a:rPr lang="en-US" dirty="0" err="1" smtClean="0"/>
+              <a:t>mendelian</a:t>
+            </a:r>
+            <a:r>
+              <a:rPr lang="en-US" dirty="0" smtClean="0"/>
+              <a:t> randomization, </a:t>
+            </a:r>
+            <a:r>
+              <a:rPr lang="en-US" dirty="0" err="1" smtClean="0"/>
+              <a:t>gwas</a:t>
+            </a:r>
+            <a:r>
+              <a:rPr lang="en-US" dirty="0" smtClean="0"/>
+              <a:t>, </a:t>
+            </a:r>
+            <a:r>
+              <a:rPr lang="en-US" dirty="0" err="1" smtClean="0"/>
+              <a:t>gcta</a:t>
+            </a:r>
+            <a:r>
+              <a:rPr lang="en-US" dirty="0" smtClean="0"/>
+              <a:t>, gene-environment interaction (</a:t>
+            </a:r>
+            <a:r>
+              <a:rPr lang="en-US" dirty="0" err="1" smtClean="0"/>
+              <a:t>GxE</a:t>
+            </a:r>
+            <a:r>
+              <a:rPr lang="en-US" dirty="0" smtClean="0"/>
+              <a:t>)</a:t>
+            </a:r>
+          </a:p>
+          <a:p>
+            <a:pPr lvl="1"/>
+            <a:r>
+              <a:rPr lang="en-US" dirty="0" smtClean="0"/>
+              <a:t>Scholars </a:t>
+            </a:r>
+          </a:p>
+          <a:p>
+            <a:pPr lvl="2"/>
+            <a:r>
+              <a:rPr lang="en-US" dirty="0" err="1" smtClean="0"/>
+              <a:t>jason</a:t>
+            </a:r>
+            <a:r>
+              <a:rPr lang="en-US" dirty="0" smtClean="0"/>
+              <a:t> </a:t>
+            </a:r>
+            <a:r>
+              <a:rPr lang="en-US" dirty="0" err="1" smtClean="0"/>
+              <a:t>boardman</a:t>
+            </a:r>
+            <a:r>
+              <a:rPr lang="en-US" dirty="0" smtClean="0"/>
+              <a:t>, </a:t>
+            </a:r>
+            <a:r>
+              <a:rPr lang="en-US" dirty="0" err="1" smtClean="0"/>
+              <a:t>dalton</a:t>
+            </a:r>
+            <a:r>
+              <a:rPr lang="en-US" dirty="0" smtClean="0"/>
+              <a:t> </a:t>
+            </a:r>
+            <a:r>
+              <a:rPr lang="en-US" dirty="0" err="1" smtClean="0"/>
+              <a:t>conley</a:t>
+            </a:r>
+            <a:r>
+              <a:rPr lang="en-US" dirty="0" smtClean="0"/>
+              <a:t>, </a:t>
+            </a:r>
+            <a:r>
+              <a:rPr lang="en-US" dirty="0" err="1" smtClean="0"/>
+              <a:t>jason</a:t>
+            </a:r>
+            <a:r>
+              <a:rPr lang="en-US" dirty="0" smtClean="0"/>
+              <a:t> fletcher, </a:t>
+            </a:r>
+            <a:r>
+              <a:rPr lang="en-US" dirty="0" err="1" smtClean="0"/>
+              <a:t>guang</a:t>
+            </a:r>
+            <a:r>
+              <a:rPr lang="en-US" dirty="0" smtClean="0"/>
+              <a:t> </a:t>
+            </a:r>
+            <a:r>
+              <a:rPr lang="en-US" dirty="0" err="1" smtClean="0"/>
+              <a:t>guo</a:t>
+            </a:r>
+            <a:r>
+              <a:rPr lang="en-US" dirty="0" smtClean="0"/>
+              <a:t>, </a:t>
+            </a:r>
+            <a:r>
+              <a:rPr lang="en-US" dirty="0" err="1" smtClean="0"/>
+              <a:t>dan</a:t>
+            </a:r>
+            <a:r>
+              <a:rPr lang="en-US" dirty="0" smtClean="0"/>
+              <a:t> </a:t>
+            </a:r>
+            <a:r>
+              <a:rPr lang="en-US" dirty="0" err="1" smtClean="0"/>
+              <a:t>belsky</a:t>
+            </a:r>
+            <a:r>
+              <a:rPr lang="en-US" dirty="0" smtClean="0"/>
+              <a:t>, </a:t>
+            </a:r>
+            <a:r>
+              <a:rPr lang="en-US" dirty="0" err="1" smtClean="0"/>
+              <a:t>eileen</a:t>
+            </a:r>
+            <a:r>
+              <a:rPr lang="en-US" dirty="0" smtClean="0"/>
+              <a:t> </a:t>
+            </a:r>
+            <a:r>
+              <a:rPr lang="en-US" dirty="0" err="1" smtClean="0"/>
+              <a:t>crimmins</a:t>
+            </a:r>
+            <a:r>
+              <a:rPr lang="en-US" dirty="0" smtClean="0"/>
+              <a:t>, </a:t>
+            </a:r>
+            <a:r>
+              <a:rPr lang="en-US" dirty="0" err="1" smtClean="0"/>
+              <a:t>morgan</a:t>
+            </a:r>
+            <a:r>
+              <a:rPr lang="en-US" dirty="0" smtClean="0"/>
+              <a:t> </a:t>
+            </a:r>
+            <a:r>
+              <a:rPr lang="en-US" dirty="0" err="1" smtClean="0"/>
+              <a:t>levine</a:t>
+            </a:r>
+            <a:r>
+              <a:rPr lang="en-US" dirty="0" smtClean="0"/>
+              <a:t>, </a:t>
+            </a:r>
+            <a:r>
+              <a:rPr lang="en-US" dirty="0" err="1" smtClean="0"/>
+              <a:t>david</a:t>
+            </a:r>
+            <a:r>
+              <a:rPr lang="en-US" dirty="0" smtClean="0"/>
+              <a:t> </a:t>
+            </a:r>
+            <a:r>
+              <a:rPr lang="en-US" dirty="0" err="1" smtClean="0"/>
+              <a:t>rehkopf</a:t>
+            </a:r>
+            <a:r>
+              <a:rPr lang="en-US" dirty="0" smtClean="0"/>
+              <a:t>, </a:t>
+            </a:r>
+            <a:r>
+              <a:rPr lang="en-US" dirty="0" err="1" smtClean="0"/>
+              <a:t>jeremy</a:t>
+            </a:r>
+            <a:r>
+              <a:rPr lang="en-US" dirty="0" smtClean="0"/>
+              <a:t> </a:t>
+            </a:r>
+            <a:r>
+              <a:rPr lang="en-US" dirty="0" err="1" smtClean="0"/>
+              <a:t>freese</a:t>
+            </a:r>
+            <a:r>
+              <a:rPr lang="en-US" dirty="0" smtClean="0"/>
+              <a:t>,</a:t>
+            </a:r>
+          </a:p>
+          <a:p>
+            <a:pPr lvl="1"/>
+            <a:r>
+              <a:rPr lang="en-US" dirty="0"/>
+              <a:t>IGSS: http://www.colorado.edu/ibs/cupc/conferences/IGSS_2016/</a:t>
+            </a:r>
+            <a:r>
+              <a:rPr lang="en-US" dirty="0" smtClean="0"/>
+              <a:t> </a:t>
             </a:r>
             <a:endParaRPr lang="en-US" dirty="0" smtClean="0"/>
           </a:p>
           <a:p>
-            <a:r>
-              <a:rPr lang="en-US" dirty="0" smtClean="0"/>
-              <a:t>But these are US/Europe specific. What about Mexico? </a:t>
-            </a:r>
-          </a:p>
-          <a:p>
-            <a:r>
-              <a:rPr lang="en-US" dirty="0" smtClean="0"/>
-              <a:t>Also, consider: </a:t>
-            </a:r>
-          </a:p>
-          <a:p>
-            <a:pPr lvl="1"/>
-            <a:r>
-              <a:rPr lang="en-US" dirty="0" smtClean="0">
-                <a:hlinkClick r:id="rId2"/>
-              </a:rPr>
-              <a:t>http://www.ncbi.nlm.nih.gov/gap</a:t>
-            </a:r>
-            <a:endParaRPr lang="en-US" dirty="0" smtClean="0"/>
-          </a:p>
-          <a:p>
-            <a:pPr lvl="1"/>
-            <a:r>
-              <a:rPr lang="en-US" dirty="0" smtClean="0">
-                <a:hlinkClick r:id="rId3"/>
-              </a:rPr>
-              <a:t>http://www.nhlbi.nih.gov/research/resources/genetics-genomics/share</a:t>
-            </a:r>
-            <a:endParaRPr lang="en-US" dirty="0" smtClean="0"/>
-          </a:p>
-          <a:p>
-            <a:pPr lvl="1"/>
-            <a:r>
-              <a:rPr lang="en-US" dirty="0" smtClean="0"/>
-              <a:t>http://ldsc.broadinstitute.org/gwashare/</a:t>
-            </a:r>
             <a:endParaRPr lang="en-US" dirty="0"/>
           </a:p>
         </p:txBody>
@@ -9445,6 +9424,168 @@
     <p:extLst>
       <p:ext uri="{BB962C8B-B14F-4D97-AF65-F5344CB8AC3E}">
         <p14:creationId xmlns:p14="http://schemas.microsoft.com/office/powerpoint/2010/main" val="3702370066"/>
+      </p:ext>
+    </p:extLst>
+  </p:cSld>
+  <p:clrMapOvr>
+    <a:masterClrMapping/>
+  </p:clrMapOvr>
+  <p:transition/>
+  <p:timing>
+    <p:tnLst>
+      <p:par>
+        <p:cTn id="1" dur="indefinite" restart="never" nodeType="tmRoot"/>
+      </p:par>
+    </p:tnLst>
+  </p:timing>
+</p:sld>
+</file>
+
+<file path=ppt/slides/slide50.xml><?xml version="1.0" encoding="utf-8"?>
+<p:sld xmlns:a="http://schemas.openxmlformats.org/drawingml/2006/main" xmlns:r="http://schemas.openxmlformats.org/officeDocument/2006/relationships" xmlns:p="http://schemas.openxmlformats.org/presentationml/2006/main">
+  <p:cSld>
+    <p:spTree>
+      <p:nvGrpSpPr>
+        <p:cNvPr id="1" name=""/>
+        <p:cNvGrpSpPr/>
+        <p:nvPr/>
+      </p:nvGrpSpPr>
+      <p:grpSpPr>
+        <a:xfrm>
+          <a:off x="0" y="0"/>
+          <a:ext cx="0" cy="0"/>
+          <a:chOff x="0" y="0"/>
+          <a:chExt cx="0" cy="0"/>
+        </a:xfrm>
+      </p:grpSpPr>
+      <p:sp>
+        <p:nvSpPr>
+          <p:cNvPr id="2" name="Title 1"/>
+          <p:cNvSpPr>
+            <a:spLocks noGrp="1"/>
+          </p:cNvSpPr>
+          <p:nvPr>
+            <p:ph type="title"/>
+          </p:nvPr>
+        </p:nvSpPr>
+        <p:spPr/>
+        <p:txBody>
+          <a:bodyPr/>
+          <a:lstStyle/>
+          <a:p>
+            <a:r>
+              <a:rPr lang="en-US" dirty="0" smtClean="0"/>
+              <a:t>Research Brainstorm Session #1</a:t>
+            </a:r>
+            <a:endParaRPr lang="en-US" dirty="0"/>
+          </a:p>
+        </p:txBody>
+      </p:sp>
+      <p:sp>
+        <p:nvSpPr>
+          <p:cNvPr id="3" name="Content Placeholder 2"/>
+          <p:cNvSpPr>
+            <a:spLocks noGrp="1"/>
+          </p:cNvSpPr>
+          <p:nvPr>
+            <p:ph idx="1"/>
+          </p:nvPr>
+        </p:nvSpPr>
+        <p:spPr/>
+        <p:txBody>
+          <a:bodyPr>
+            <a:normAutofit fontScale="77500" lnSpcReduction="20000"/>
+          </a:bodyPr>
+          <a:lstStyle/>
+          <a:p>
+            <a:r>
+              <a:rPr lang="en-US" dirty="0" smtClean="0"/>
+              <a:t>Let’s set aside the next XX minutes to look for potentially interesting data sources. </a:t>
+            </a:r>
+          </a:p>
+          <a:p>
+            <a:r>
+              <a:rPr lang="en-US" dirty="0" smtClean="0"/>
+              <a:t>I know some:</a:t>
+            </a:r>
+          </a:p>
+          <a:p>
+            <a:pPr lvl="1"/>
+            <a:r>
+              <a:rPr lang="en-US" dirty="0" smtClean="0"/>
+              <a:t>HRS, WHI, </a:t>
+            </a:r>
+          </a:p>
+          <a:p>
+            <a:pPr lvl="1"/>
+            <a:r>
+              <a:rPr lang="en-US" dirty="0" smtClean="0"/>
+              <a:t>Add Health</a:t>
+            </a:r>
+          </a:p>
+          <a:p>
+            <a:pPr lvl="1"/>
+            <a:r>
+              <a:rPr lang="en-US" dirty="0" smtClean="0"/>
+              <a:t>UK </a:t>
+            </a:r>
+            <a:r>
+              <a:rPr lang="en-US" dirty="0" err="1" smtClean="0"/>
+              <a:t>Biobank</a:t>
+            </a:r>
+            <a:endParaRPr lang="en-US" dirty="0" smtClean="0"/>
+          </a:p>
+          <a:p>
+            <a:r>
+              <a:rPr lang="en-US" dirty="0" smtClean="0"/>
+              <a:t>But these are US/Europe specific. What about </a:t>
+            </a:r>
+            <a:r>
+              <a:rPr lang="en-US" dirty="0" smtClean="0"/>
+              <a:t>Mexico/Latin America? </a:t>
+            </a:r>
+            <a:endParaRPr lang="en-US" dirty="0" smtClean="0"/>
+          </a:p>
+          <a:p>
+            <a:r>
+              <a:rPr lang="en-US" dirty="0" smtClean="0"/>
+              <a:t>Also, consider: </a:t>
+            </a:r>
+          </a:p>
+          <a:p>
+            <a:pPr lvl="1"/>
+            <a:r>
+              <a:rPr lang="en-US" dirty="0" smtClean="0">
+                <a:hlinkClick r:id="rId2"/>
+              </a:rPr>
+              <a:t>http://www.ncbi.nlm.nih.gov/gap</a:t>
+            </a:r>
+            <a:endParaRPr lang="en-US" dirty="0" smtClean="0"/>
+          </a:p>
+          <a:p>
+            <a:pPr lvl="1"/>
+            <a:r>
+              <a:rPr lang="en-US" dirty="0" smtClean="0">
+                <a:hlinkClick r:id="rId3"/>
+              </a:rPr>
+              <a:t>http://www.nhlbi.nih.gov/research/resources/genetics-genomics/share</a:t>
+            </a:r>
+            <a:endParaRPr lang="en-US" dirty="0" smtClean="0"/>
+          </a:p>
+          <a:p>
+            <a:pPr lvl="1"/>
+            <a:r>
+              <a:rPr lang="en-US" dirty="0" smtClean="0"/>
+              <a:t>http://ldsc.broadinstitute.org/gwashare/</a:t>
+            </a:r>
+            <a:endParaRPr lang="en-US" dirty="0"/>
+          </a:p>
+        </p:txBody>
+      </p:sp>
+    </p:spTree>
+    <p:extLst>
+      <p:ext uri="{BB962C8B-B14F-4D97-AF65-F5344CB8AC3E}">
+        <p14:creationId xmlns:p14="http://schemas.microsoft.com/office/powerpoint/2010/main" val="85088122"/>
       </p:ext>
     </p:extLst>
   </p:cSld>
